--- a/09/ETL_05_Panorama_compensar.pptx
+++ b/09/ETL_05_Panorama_compensar.pptx
@@ -5,7 +5,7 @@
     <p:sldMasterId id="2147483672" r:id="rId4"/>
   </p:sldMasterIdLst>
   <p:notesMasterIdLst>
-    <p:notesMasterId r:id="rId35"/>
+    <p:notesMasterId r:id="rId45"/>
   </p:notesMasterIdLst>
   <p:sldIdLst>
     <p:sldId id="2543" r:id="rId5"/>
@@ -37,7 +37,17 @@
     <p:sldId id="7340" r:id="rId31"/>
     <p:sldId id="7341" r:id="rId32"/>
     <p:sldId id="7317" r:id="rId33"/>
-    <p:sldId id="7021" r:id="rId34"/>
+    <p:sldId id="7342" r:id="rId34"/>
+    <p:sldId id="7350" r:id="rId35"/>
+    <p:sldId id="7351" r:id="rId36"/>
+    <p:sldId id="7343" r:id="rId37"/>
+    <p:sldId id="7344" r:id="rId38"/>
+    <p:sldId id="7345" r:id="rId39"/>
+    <p:sldId id="7346" r:id="rId40"/>
+    <p:sldId id="7347" r:id="rId41"/>
+    <p:sldId id="7349" r:id="rId42"/>
+    <p:sldId id="7348" r:id="rId43"/>
+    <p:sldId id="7021" r:id="rId44"/>
   </p:sldIdLst>
   <p:sldSz cx="12192000" cy="6858000"/>
   <p:notesSz cx="6858000" cy="9144000"/>
@@ -226,7 +236,7 @@
           <a:p>
             <a:fld id="{17BF7084-E496-4AB1-9350-6558C7B312B2}" type="datetimeFigureOut">
               <a:rPr lang="es-CO" smtClean="0"/>
-              <a:t>12/09/2025</a:t>
+              <a:t>20/09/2025</a:t>
             </a:fld>
             <a:endParaRPr lang="es-CO"/>
           </a:p>
@@ -15083,6 +15093,2894 @@
   <p:cSld>
     <p:spTree>
       <p:nvGrpSpPr>
+        <p:cNvPr id="1" name="">
+          <a:extLst>
+            <a:ext uri="{FF2B5EF4-FFF2-40B4-BE49-F238E27FC236}">
+              <a16:creationId xmlns:a16="http://schemas.microsoft.com/office/drawing/2014/main" id="{DF744F92-64A8-618B-E19E-E042E29739D9}"/>
+            </a:ext>
+          </a:extLst>
+        </p:cNvPr>
+        <p:cNvGrpSpPr/>
+        <p:nvPr/>
+      </p:nvGrpSpPr>
+      <p:grpSpPr>
+        <a:xfrm>
+          <a:off x="0" y="0"/>
+          <a:ext cx="0" cy="0"/>
+          <a:chOff x="0" y="0"/>
+          <a:chExt cx="0" cy="0"/>
+        </a:xfrm>
+      </p:grpSpPr>
+      <p:sp>
+        <p:nvSpPr>
+          <p:cNvPr id="2" name="Título 1">
+            <a:extLst>
+              <a:ext uri="{FF2B5EF4-FFF2-40B4-BE49-F238E27FC236}">
+                <a16:creationId xmlns:a16="http://schemas.microsoft.com/office/drawing/2014/main" id="{280B7446-15ED-1AF3-7064-4515F92392BA}"/>
+              </a:ext>
+            </a:extLst>
+          </p:cNvPr>
+          <p:cNvSpPr>
+            <a:spLocks noGrp="1"/>
+          </p:cNvSpPr>
+          <p:nvPr>
+            <p:ph type="title"/>
+          </p:nvPr>
+        </p:nvSpPr>
+        <p:spPr>
+          <a:xfrm>
+            <a:off x="392965" y="752284"/>
+            <a:ext cx="9121149" cy="590931"/>
+          </a:xfrm>
+        </p:spPr>
+        <p:txBody>
+          <a:bodyPr/>
+          <a:lstStyle/>
+          <a:p>
+            <a:r>
+              <a:rPr lang="es-ES" b="1" dirty="0"/>
+              <a:t>Data </a:t>
+            </a:r>
+            <a:r>
+              <a:rPr lang="es-ES" b="1" dirty="0" err="1"/>
+              <a:t>Integration</a:t>
+            </a:r>
+            <a:r>
+              <a:rPr lang="es-ES" b="1" dirty="0"/>
+              <a:t> = Herramientas ETL Open </a:t>
+            </a:r>
+            <a:r>
+              <a:rPr lang="es-ES" b="1" dirty="0" err="1"/>
+              <a:t>Source</a:t>
+            </a:r>
+            <a:endParaRPr lang="es-CO" b="1" dirty="0"/>
+          </a:p>
+        </p:txBody>
+      </p:sp>
+      <p:sp>
+        <p:nvSpPr>
+          <p:cNvPr id="3" name="Marcador de número de diapositiva 2">
+            <a:extLst>
+              <a:ext uri="{FF2B5EF4-FFF2-40B4-BE49-F238E27FC236}">
+                <a16:creationId xmlns:a16="http://schemas.microsoft.com/office/drawing/2014/main" id="{922328B2-D0E0-D505-E6E4-D1B1EE8A1ECD}"/>
+              </a:ext>
+            </a:extLst>
+          </p:cNvPr>
+          <p:cNvSpPr>
+            <a:spLocks noGrp="1"/>
+          </p:cNvSpPr>
+          <p:nvPr>
+            <p:ph type="sldNum" sz="quarter" idx="10"/>
+          </p:nvPr>
+        </p:nvSpPr>
+        <p:spPr/>
+        <p:txBody>
+          <a:bodyPr/>
+          <a:lstStyle/>
+          <a:p>
+            <a:fld id="{B560BBA4-C6AF-C845-8405-0D878B5989B4}" type="slidenum">
+              <a:rPr lang="es-CO" smtClean="0"/>
+              <a:pPr/>
+              <a:t>30</a:t>
+            </a:fld>
+            <a:endParaRPr lang="es-CO"/>
+          </a:p>
+        </p:txBody>
+      </p:sp>
+      <p:sp>
+        <p:nvSpPr>
+          <p:cNvPr id="4" name="Marcador de pie de página 3">
+            <a:extLst>
+              <a:ext uri="{FF2B5EF4-FFF2-40B4-BE49-F238E27FC236}">
+                <a16:creationId xmlns:a16="http://schemas.microsoft.com/office/drawing/2014/main" id="{9D00B943-4201-F694-3FF6-076A6BB8AFFA}"/>
+              </a:ext>
+            </a:extLst>
+          </p:cNvPr>
+          <p:cNvSpPr>
+            <a:spLocks noGrp="1"/>
+          </p:cNvSpPr>
+          <p:nvPr>
+            <p:ph type="ftr" sz="quarter" idx="11"/>
+          </p:nvPr>
+        </p:nvSpPr>
+        <p:spPr/>
+        <p:txBody>
+          <a:bodyPr/>
+          <a:lstStyle/>
+          <a:p>
+            <a:r>
+              <a:rPr lang="es-CO"/>
+              <a:t>© TODOS LOS DERECHOS RESERVADOS POR FUNDACIÓN UNIVERSITARIA COMPENSAR</a:t>
+            </a:r>
+          </a:p>
+        </p:txBody>
+      </p:sp>
+      <p:sp>
+        <p:nvSpPr>
+          <p:cNvPr id="6" name="Marcador de contenido 1">
+            <a:extLst>
+              <a:ext uri="{FF2B5EF4-FFF2-40B4-BE49-F238E27FC236}">
+                <a16:creationId xmlns:a16="http://schemas.microsoft.com/office/drawing/2014/main" id="{0F7A851C-2121-8195-13AD-2CD251D1A553}"/>
+              </a:ext>
+            </a:extLst>
+          </p:cNvPr>
+          <p:cNvSpPr txBox="1">
+            <a:spLocks/>
+          </p:cNvSpPr>
+          <p:nvPr/>
+        </p:nvSpPr>
+        <p:spPr>
+          <a:xfrm>
+            <a:off x="994229" y="1850949"/>
+            <a:ext cx="10303813" cy="4326013"/>
+          </a:xfrm>
+          <a:prstGeom prst="rect">
+            <a:avLst/>
+          </a:prstGeom>
+        </p:spPr>
+        <p:txBody>
+          <a:bodyPr>
+            <a:normAutofit/>
+          </a:bodyPr>
+          <a:lstStyle>
+            <a:lvl1pPr marL="0" indent="0" algn="l" defTabSz="914400" rtl="0" eaLnBrk="1" latinLnBrk="0" hangingPunct="1">
+              <a:lnSpc>
+                <a:spcPts val="2080"/>
+              </a:lnSpc>
+              <a:spcBef>
+                <a:spcPts val="1000"/>
+              </a:spcBef>
+              <a:buClr>
+                <a:schemeClr val="tx2"/>
+              </a:buClr>
+              <a:buFont typeface="Arial" panose="020B0604020202020204" pitchFamily="34" charset="0"/>
+              <a:buNone/>
+              <a:defRPr sz="1600" kern="1200">
+                <a:solidFill>
+                  <a:schemeClr val="tx1"/>
+                </a:solidFill>
+                <a:latin typeface="+mj-lt"/>
+                <a:ea typeface="+mn-ea"/>
+                <a:cs typeface="+mn-cs"/>
+              </a:defRPr>
+            </a:lvl1pPr>
+            <a:lvl2pPr marL="685800" indent="-228600" algn="l" defTabSz="914400" rtl="0" eaLnBrk="1" latinLnBrk="0" hangingPunct="1">
+              <a:lnSpc>
+                <a:spcPct val="90000"/>
+              </a:lnSpc>
+              <a:spcBef>
+                <a:spcPts val="500"/>
+              </a:spcBef>
+              <a:buFont typeface="Arial" panose="020B0604020202020204" pitchFamily="34" charset="0"/>
+              <a:buChar char="•"/>
+              <a:defRPr sz="2400" kern="1200">
+                <a:solidFill>
+                  <a:schemeClr val="tx1"/>
+                </a:solidFill>
+                <a:latin typeface="+mn-lt"/>
+                <a:ea typeface="+mn-ea"/>
+                <a:cs typeface="+mn-cs"/>
+              </a:defRPr>
+            </a:lvl2pPr>
+            <a:lvl3pPr marL="1143000" indent="-228600" algn="l" defTabSz="914400" rtl="0" eaLnBrk="1" latinLnBrk="0" hangingPunct="1">
+              <a:lnSpc>
+                <a:spcPct val="90000"/>
+              </a:lnSpc>
+              <a:spcBef>
+                <a:spcPts val="500"/>
+              </a:spcBef>
+              <a:buFont typeface="Arial" panose="020B0604020202020204" pitchFamily="34" charset="0"/>
+              <a:buChar char="•"/>
+              <a:defRPr sz="2000" kern="1200">
+                <a:solidFill>
+                  <a:schemeClr val="tx1"/>
+                </a:solidFill>
+                <a:latin typeface="+mn-lt"/>
+                <a:ea typeface="+mn-ea"/>
+                <a:cs typeface="+mn-cs"/>
+              </a:defRPr>
+            </a:lvl3pPr>
+            <a:lvl4pPr marL="1600200" indent="-228600" algn="l" defTabSz="914400" rtl="0" eaLnBrk="1" latinLnBrk="0" hangingPunct="1">
+              <a:lnSpc>
+                <a:spcPct val="90000"/>
+              </a:lnSpc>
+              <a:spcBef>
+                <a:spcPts val="500"/>
+              </a:spcBef>
+              <a:buFont typeface="Arial" panose="020B0604020202020204" pitchFamily="34" charset="0"/>
+              <a:buChar char="•"/>
+              <a:defRPr sz="1800" kern="1200">
+                <a:solidFill>
+                  <a:schemeClr val="tx1"/>
+                </a:solidFill>
+                <a:latin typeface="+mn-lt"/>
+                <a:ea typeface="+mn-ea"/>
+                <a:cs typeface="+mn-cs"/>
+              </a:defRPr>
+            </a:lvl4pPr>
+            <a:lvl5pPr marL="2057400" indent="-228600" algn="l" defTabSz="914400" rtl="0" eaLnBrk="1" latinLnBrk="0" hangingPunct="1">
+              <a:lnSpc>
+                <a:spcPct val="90000"/>
+              </a:lnSpc>
+              <a:spcBef>
+                <a:spcPts val="500"/>
+              </a:spcBef>
+              <a:buFont typeface="Arial" panose="020B0604020202020204" pitchFamily="34" charset="0"/>
+              <a:buChar char="•"/>
+              <a:defRPr sz="1800" kern="1200">
+                <a:solidFill>
+                  <a:schemeClr val="tx1"/>
+                </a:solidFill>
+                <a:latin typeface="+mn-lt"/>
+                <a:ea typeface="+mn-ea"/>
+                <a:cs typeface="+mn-cs"/>
+              </a:defRPr>
+            </a:lvl5pPr>
+            <a:lvl6pPr marL="2514600" indent="-228600" algn="l" defTabSz="914400" rtl="0" eaLnBrk="1" latinLnBrk="0" hangingPunct="1">
+              <a:lnSpc>
+                <a:spcPct val="90000"/>
+              </a:lnSpc>
+              <a:spcBef>
+                <a:spcPts val="500"/>
+              </a:spcBef>
+              <a:buFont typeface="Arial" panose="020B0604020202020204" pitchFamily="34" charset="0"/>
+              <a:buChar char="•"/>
+              <a:defRPr sz="1800" kern="1200">
+                <a:solidFill>
+                  <a:schemeClr val="tx1"/>
+                </a:solidFill>
+                <a:latin typeface="+mn-lt"/>
+                <a:ea typeface="+mn-ea"/>
+                <a:cs typeface="+mn-cs"/>
+              </a:defRPr>
+            </a:lvl6pPr>
+            <a:lvl7pPr marL="2971800" indent="-228600" algn="l" defTabSz="914400" rtl="0" eaLnBrk="1" latinLnBrk="0" hangingPunct="1">
+              <a:lnSpc>
+                <a:spcPct val="90000"/>
+              </a:lnSpc>
+              <a:spcBef>
+                <a:spcPts val="500"/>
+              </a:spcBef>
+              <a:buFont typeface="Arial" panose="020B0604020202020204" pitchFamily="34" charset="0"/>
+              <a:buChar char="•"/>
+              <a:defRPr sz="1800" kern="1200">
+                <a:solidFill>
+                  <a:schemeClr val="tx1"/>
+                </a:solidFill>
+                <a:latin typeface="+mn-lt"/>
+                <a:ea typeface="+mn-ea"/>
+                <a:cs typeface="+mn-cs"/>
+              </a:defRPr>
+            </a:lvl7pPr>
+            <a:lvl8pPr marL="3429000" indent="-228600" algn="l" defTabSz="914400" rtl="0" eaLnBrk="1" latinLnBrk="0" hangingPunct="1">
+              <a:lnSpc>
+                <a:spcPct val="90000"/>
+              </a:lnSpc>
+              <a:spcBef>
+                <a:spcPts val="500"/>
+              </a:spcBef>
+              <a:buFont typeface="Arial" panose="020B0604020202020204" pitchFamily="34" charset="0"/>
+              <a:buChar char="•"/>
+              <a:defRPr sz="1800" kern="1200">
+                <a:solidFill>
+                  <a:schemeClr val="tx1"/>
+                </a:solidFill>
+                <a:latin typeface="+mn-lt"/>
+                <a:ea typeface="+mn-ea"/>
+                <a:cs typeface="+mn-cs"/>
+              </a:defRPr>
+            </a:lvl8pPr>
+            <a:lvl9pPr marL="3886200" indent="-228600" algn="l" defTabSz="914400" rtl="0" eaLnBrk="1" latinLnBrk="0" hangingPunct="1">
+              <a:lnSpc>
+                <a:spcPct val="90000"/>
+              </a:lnSpc>
+              <a:spcBef>
+                <a:spcPts val="500"/>
+              </a:spcBef>
+              <a:buFont typeface="Arial" panose="020B0604020202020204" pitchFamily="34" charset="0"/>
+              <a:buChar char="•"/>
+              <a:defRPr sz="1800" kern="1200">
+                <a:solidFill>
+                  <a:schemeClr val="tx1"/>
+                </a:solidFill>
+                <a:latin typeface="+mn-lt"/>
+                <a:ea typeface="+mn-ea"/>
+                <a:cs typeface="+mn-cs"/>
+              </a:defRPr>
+            </a:lvl9pPr>
+          </a:lstStyle>
+          <a:p>
+            <a:pPr algn="just">
+              <a:lnSpc>
+                <a:spcPct val="100000"/>
+              </a:lnSpc>
+            </a:pPr>
+            <a:r>
+              <a:rPr lang="es-ES" sz="3600" dirty="0" err="1">
+                <a:latin typeface="+mn-lt"/>
+              </a:rPr>
+              <a:t>Talend</a:t>
+            </a:r>
+            <a:r>
+              <a:rPr lang="es-ES" sz="3600" dirty="0">
+                <a:latin typeface="+mn-lt"/>
+              </a:rPr>
+              <a:t> Open Studio</a:t>
+            </a:r>
+          </a:p>
+          <a:p>
+            <a:pPr algn="just">
+              <a:lnSpc>
+                <a:spcPct val="100000"/>
+              </a:lnSpc>
+            </a:pPr>
+            <a:r>
+              <a:rPr lang="es-ES" sz="3600" dirty="0">
+                <a:latin typeface="+mn-lt"/>
+              </a:rPr>
+              <a:t>Pentaho Data </a:t>
+            </a:r>
+            <a:r>
+              <a:rPr lang="es-ES" sz="3600" dirty="0" err="1">
+                <a:latin typeface="+mn-lt"/>
+              </a:rPr>
+              <a:t>Integration</a:t>
+            </a:r>
+            <a:endParaRPr lang="es-ES" sz="3600" dirty="0">
+              <a:latin typeface="+mn-lt"/>
+            </a:endParaRPr>
+          </a:p>
+          <a:p>
+            <a:pPr algn="just">
+              <a:lnSpc>
+                <a:spcPct val="100000"/>
+              </a:lnSpc>
+            </a:pPr>
+            <a:r>
+              <a:rPr lang="es-ES" sz="3600" dirty="0" err="1">
+                <a:latin typeface="+mn-lt"/>
+              </a:rPr>
+              <a:t>Dbt</a:t>
+            </a:r>
+            <a:r>
+              <a:rPr lang="es-ES" sz="3600" dirty="0">
+                <a:latin typeface="+mn-lt"/>
+              </a:rPr>
+              <a:t> (Data </a:t>
+            </a:r>
+            <a:r>
+              <a:rPr lang="es-ES" sz="3600" dirty="0" err="1">
+                <a:latin typeface="+mn-lt"/>
+              </a:rPr>
+              <a:t>Build</a:t>
+            </a:r>
+            <a:r>
+              <a:rPr lang="es-ES" sz="3600" dirty="0">
+                <a:latin typeface="+mn-lt"/>
+              </a:rPr>
+              <a:t> Tool): Moderna</a:t>
+            </a:r>
+          </a:p>
+          <a:p>
+            <a:pPr algn="just">
+              <a:lnSpc>
+                <a:spcPct val="100000"/>
+              </a:lnSpc>
+            </a:pPr>
+            <a:r>
+              <a:rPr lang="es-ES" sz="3600" dirty="0">
+                <a:latin typeface="+mn-lt"/>
+              </a:rPr>
+              <a:t>Apache </a:t>
+            </a:r>
+            <a:r>
+              <a:rPr lang="es-ES" sz="3600" dirty="0" err="1">
+                <a:latin typeface="+mn-lt"/>
+              </a:rPr>
+              <a:t>Nifi</a:t>
+            </a:r>
+            <a:endParaRPr lang="es-ES" sz="3600" dirty="0">
+              <a:latin typeface="+mn-lt"/>
+            </a:endParaRPr>
+          </a:p>
+          <a:p>
+            <a:pPr algn="just">
+              <a:lnSpc>
+                <a:spcPct val="100000"/>
+              </a:lnSpc>
+            </a:pPr>
+            <a:r>
+              <a:rPr lang="es-ES" sz="3600" dirty="0">
+                <a:latin typeface="+mn-lt"/>
+              </a:rPr>
+              <a:t>Apache </a:t>
+            </a:r>
+            <a:r>
+              <a:rPr lang="es-ES" sz="3600" dirty="0" err="1">
+                <a:latin typeface="+mn-lt"/>
+              </a:rPr>
+              <a:t>Airflow</a:t>
+            </a:r>
+            <a:endParaRPr lang="es-ES" sz="3600" dirty="0">
+              <a:latin typeface="+mn-lt"/>
+            </a:endParaRPr>
+          </a:p>
+          <a:p>
+            <a:pPr algn="just">
+              <a:lnSpc>
+                <a:spcPct val="100000"/>
+              </a:lnSpc>
+            </a:pPr>
+            <a:endParaRPr lang="es-CO" sz="3600" dirty="0">
+              <a:latin typeface="+mn-lt"/>
+            </a:endParaRPr>
+          </a:p>
+        </p:txBody>
+      </p:sp>
+    </p:spTree>
+    <p:extLst>
+      <p:ext uri="{BB962C8B-B14F-4D97-AF65-F5344CB8AC3E}">
+        <p14:creationId xmlns:p14="http://schemas.microsoft.com/office/powerpoint/2010/main" val="2940985217"/>
+      </p:ext>
+    </p:extLst>
+  </p:cSld>
+  <p:clrMapOvr>
+    <a:masterClrMapping/>
+  </p:clrMapOvr>
+  <p:transition>
+    <p:fade/>
+  </p:transition>
+</p:sld>
+</file>
+
+<file path=ppt/slides/slide31.xml><?xml version="1.0" encoding="utf-8"?>
+<p:sld xmlns:a="http://schemas.openxmlformats.org/drawingml/2006/main" xmlns:r="http://schemas.openxmlformats.org/officeDocument/2006/relationships" xmlns:p="http://schemas.openxmlformats.org/presentationml/2006/main">
+  <p:cSld>
+    <p:spTree>
+      <p:nvGrpSpPr>
+        <p:cNvPr id="1" name="">
+          <a:extLst>
+            <a:ext uri="{FF2B5EF4-FFF2-40B4-BE49-F238E27FC236}">
+              <a16:creationId xmlns:a16="http://schemas.microsoft.com/office/drawing/2014/main" id="{53EA76F5-7D0E-6536-3DE9-587F987E5C94}"/>
+            </a:ext>
+          </a:extLst>
+        </p:cNvPr>
+        <p:cNvGrpSpPr/>
+        <p:nvPr/>
+      </p:nvGrpSpPr>
+      <p:grpSpPr>
+        <a:xfrm>
+          <a:off x="0" y="0"/>
+          <a:ext cx="0" cy="0"/>
+          <a:chOff x="0" y="0"/>
+          <a:chExt cx="0" cy="0"/>
+        </a:xfrm>
+      </p:grpSpPr>
+      <p:sp>
+        <p:nvSpPr>
+          <p:cNvPr id="2" name="Título 1">
+            <a:extLst>
+              <a:ext uri="{FF2B5EF4-FFF2-40B4-BE49-F238E27FC236}">
+                <a16:creationId xmlns:a16="http://schemas.microsoft.com/office/drawing/2014/main" id="{BD022DD9-FB76-C11C-EF17-424FF6F44A5A}"/>
+              </a:ext>
+            </a:extLst>
+          </p:cNvPr>
+          <p:cNvSpPr>
+            <a:spLocks noGrp="1"/>
+          </p:cNvSpPr>
+          <p:nvPr>
+            <p:ph type="title"/>
+          </p:nvPr>
+        </p:nvSpPr>
+        <p:spPr>
+          <a:xfrm>
+            <a:off x="392965" y="752284"/>
+            <a:ext cx="9121149" cy="590931"/>
+          </a:xfrm>
+        </p:spPr>
+        <p:txBody>
+          <a:bodyPr/>
+          <a:lstStyle/>
+          <a:p>
+            <a:r>
+              <a:rPr lang="es-ES" b="1" dirty="0"/>
+              <a:t>Data </a:t>
+            </a:r>
+            <a:r>
+              <a:rPr lang="es-ES" b="1" dirty="0" err="1"/>
+              <a:t>Integration</a:t>
+            </a:r>
+            <a:r>
+              <a:rPr lang="es-ES" b="1" dirty="0"/>
+              <a:t> = Herramientas ETL Comerciales</a:t>
+            </a:r>
+            <a:endParaRPr lang="es-CO" b="1" dirty="0"/>
+          </a:p>
+        </p:txBody>
+      </p:sp>
+      <p:sp>
+        <p:nvSpPr>
+          <p:cNvPr id="3" name="Marcador de número de diapositiva 2">
+            <a:extLst>
+              <a:ext uri="{FF2B5EF4-FFF2-40B4-BE49-F238E27FC236}">
+                <a16:creationId xmlns:a16="http://schemas.microsoft.com/office/drawing/2014/main" id="{25EFAE29-FD6E-94B9-01F4-C0105B9B1E7C}"/>
+              </a:ext>
+            </a:extLst>
+          </p:cNvPr>
+          <p:cNvSpPr>
+            <a:spLocks noGrp="1"/>
+          </p:cNvSpPr>
+          <p:nvPr>
+            <p:ph type="sldNum" sz="quarter" idx="10"/>
+          </p:nvPr>
+        </p:nvSpPr>
+        <p:spPr/>
+        <p:txBody>
+          <a:bodyPr/>
+          <a:lstStyle/>
+          <a:p>
+            <a:fld id="{B560BBA4-C6AF-C845-8405-0D878B5989B4}" type="slidenum">
+              <a:rPr lang="es-CO" smtClean="0"/>
+              <a:pPr/>
+              <a:t>31</a:t>
+            </a:fld>
+            <a:endParaRPr lang="es-CO"/>
+          </a:p>
+        </p:txBody>
+      </p:sp>
+      <p:sp>
+        <p:nvSpPr>
+          <p:cNvPr id="4" name="Marcador de pie de página 3">
+            <a:extLst>
+              <a:ext uri="{FF2B5EF4-FFF2-40B4-BE49-F238E27FC236}">
+                <a16:creationId xmlns:a16="http://schemas.microsoft.com/office/drawing/2014/main" id="{A678521A-E097-8F63-9E0B-273887673F8A}"/>
+              </a:ext>
+            </a:extLst>
+          </p:cNvPr>
+          <p:cNvSpPr>
+            <a:spLocks noGrp="1"/>
+          </p:cNvSpPr>
+          <p:nvPr>
+            <p:ph type="ftr" sz="quarter" idx="11"/>
+          </p:nvPr>
+        </p:nvSpPr>
+        <p:spPr/>
+        <p:txBody>
+          <a:bodyPr/>
+          <a:lstStyle/>
+          <a:p>
+            <a:r>
+              <a:rPr lang="es-CO"/>
+              <a:t>© TODOS LOS DERECHOS RESERVADOS POR FUNDACIÓN UNIVERSITARIA COMPENSAR</a:t>
+            </a:r>
+          </a:p>
+        </p:txBody>
+      </p:sp>
+      <p:sp>
+        <p:nvSpPr>
+          <p:cNvPr id="6" name="Marcador de contenido 1">
+            <a:extLst>
+              <a:ext uri="{FF2B5EF4-FFF2-40B4-BE49-F238E27FC236}">
+                <a16:creationId xmlns:a16="http://schemas.microsoft.com/office/drawing/2014/main" id="{F6F57191-41CD-D39D-90ED-1C52356A986E}"/>
+              </a:ext>
+            </a:extLst>
+          </p:cNvPr>
+          <p:cNvSpPr txBox="1">
+            <a:spLocks/>
+          </p:cNvSpPr>
+          <p:nvPr/>
+        </p:nvSpPr>
+        <p:spPr>
+          <a:xfrm>
+            <a:off x="994229" y="1850949"/>
+            <a:ext cx="10303813" cy="4326013"/>
+          </a:xfrm>
+          <a:prstGeom prst="rect">
+            <a:avLst/>
+          </a:prstGeom>
+        </p:spPr>
+        <p:txBody>
+          <a:bodyPr>
+            <a:normAutofit/>
+          </a:bodyPr>
+          <a:lstStyle>
+            <a:lvl1pPr marL="0" indent="0" algn="l" defTabSz="914400" rtl="0" eaLnBrk="1" latinLnBrk="0" hangingPunct="1">
+              <a:lnSpc>
+                <a:spcPts val="2080"/>
+              </a:lnSpc>
+              <a:spcBef>
+                <a:spcPts val="1000"/>
+              </a:spcBef>
+              <a:buClr>
+                <a:schemeClr val="tx2"/>
+              </a:buClr>
+              <a:buFont typeface="Arial" panose="020B0604020202020204" pitchFamily="34" charset="0"/>
+              <a:buNone/>
+              <a:defRPr sz="1600" kern="1200">
+                <a:solidFill>
+                  <a:schemeClr val="tx1"/>
+                </a:solidFill>
+                <a:latin typeface="+mj-lt"/>
+                <a:ea typeface="+mn-ea"/>
+                <a:cs typeface="+mn-cs"/>
+              </a:defRPr>
+            </a:lvl1pPr>
+            <a:lvl2pPr marL="685800" indent="-228600" algn="l" defTabSz="914400" rtl="0" eaLnBrk="1" latinLnBrk="0" hangingPunct="1">
+              <a:lnSpc>
+                <a:spcPct val="90000"/>
+              </a:lnSpc>
+              <a:spcBef>
+                <a:spcPts val="500"/>
+              </a:spcBef>
+              <a:buFont typeface="Arial" panose="020B0604020202020204" pitchFamily="34" charset="0"/>
+              <a:buChar char="•"/>
+              <a:defRPr sz="2400" kern="1200">
+                <a:solidFill>
+                  <a:schemeClr val="tx1"/>
+                </a:solidFill>
+                <a:latin typeface="+mn-lt"/>
+                <a:ea typeface="+mn-ea"/>
+                <a:cs typeface="+mn-cs"/>
+              </a:defRPr>
+            </a:lvl2pPr>
+            <a:lvl3pPr marL="1143000" indent="-228600" algn="l" defTabSz="914400" rtl="0" eaLnBrk="1" latinLnBrk="0" hangingPunct="1">
+              <a:lnSpc>
+                <a:spcPct val="90000"/>
+              </a:lnSpc>
+              <a:spcBef>
+                <a:spcPts val="500"/>
+              </a:spcBef>
+              <a:buFont typeface="Arial" panose="020B0604020202020204" pitchFamily="34" charset="0"/>
+              <a:buChar char="•"/>
+              <a:defRPr sz="2000" kern="1200">
+                <a:solidFill>
+                  <a:schemeClr val="tx1"/>
+                </a:solidFill>
+                <a:latin typeface="+mn-lt"/>
+                <a:ea typeface="+mn-ea"/>
+                <a:cs typeface="+mn-cs"/>
+              </a:defRPr>
+            </a:lvl3pPr>
+            <a:lvl4pPr marL="1600200" indent="-228600" algn="l" defTabSz="914400" rtl="0" eaLnBrk="1" latinLnBrk="0" hangingPunct="1">
+              <a:lnSpc>
+                <a:spcPct val="90000"/>
+              </a:lnSpc>
+              <a:spcBef>
+                <a:spcPts val="500"/>
+              </a:spcBef>
+              <a:buFont typeface="Arial" panose="020B0604020202020204" pitchFamily="34" charset="0"/>
+              <a:buChar char="•"/>
+              <a:defRPr sz="1800" kern="1200">
+                <a:solidFill>
+                  <a:schemeClr val="tx1"/>
+                </a:solidFill>
+                <a:latin typeface="+mn-lt"/>
+                <a:ea typeface="+mn-ea"/>
+                <a:cs typeface="+mn-cs"/>
+              </a:defRPr>
+            </a:lvl4pPr>
+            <a:lvl5pPr marL="2057400" indent="-228600" algn="l" defTabSz="914400" rtl="0" eaLnBrk="1" latinLnBrk="0" hangingPunct="1">
+              <a:lnSpc>
+                <a:spcPct val="90000"/>
+              </a:lnSpc>
+              <a:spcBef>
+                <a:spcPts val="500"/>
+              </a:spcBef>
+              <a:buFont typeface="Arial" panose="020B0604020202020204" pitchFamily="34" charset="0"/>
+              <a:buChar char="•"/>
+              <a:defRPr sz="1800" kern="1200">
+                <a:solidFill>
+                  <a:schemeClr val="tx1"/>
+                </a:solidFill>
+                <a:latin typeface="+mn-lt"/>
+                <a:ea typeface="+mn-ea"/>
+                <a:cs typeface="+mn-cs"/>
+              </a:defRPr>
+            </a:lvl5pPr>
+            <a:lvl6pPr marL="2514600" indent="-228600" algn="l" defTabSz="914400" rtl="0" eaLnBrk="1" latinLnBrk="0" hangingPunct="1">
+              <a:lnSpc>
+                <a:spcPct val="90000"/>
+              </a:lnSpc>
+              <a:spcBef>
+                <a:spcPts val="500"/>
+              </a:spcBef>
+              <a:buFont typeface="Arial" panose="020B0604020202020204" pitchFamily="34" charset="0"/>
+              <a:buChar char="•"/>
+              <a:defRPr sz="1800" kern="1200">
+                <a:solidFill>
+                  <a:schemeClr val="tx1"/>
+                </a:solidFill>
+                <a:latin typeface="+mn-lt"/>
+                <a:ea typeface="+mn-ea"/>
+                <a:cs typeface="+mn-cs"/>
+              </a:defRPr>
+            </a:lvl6pPr>
+            <a:lvl7pPr marL="2971800" indent="-228600" algn="l" defTabSz="914400" rtl="0" eaLnBrk="1" latinLnBrk="0" hangingPunct="1">
+              <a:lnSpc>
+                <a:spcPct val="90000"/>
+              </a:lnSpc>
+              <a:spcBef>
+                <a:spcPts val="500"/>
+              </a:spcBef>
+              <a:buFont typeface="Arial" panose="020B0604020202020204" pitchFamily="34" charset="0"/>
+              <a:buChar char="•"/>
+              <a:defRPr sz="1800" kern="1200">
+                <a:solidFill>
+                  <a:schemeClr val="tx1"/>
+                </a:solidFill>
+                <a:latin typeface="+mn-lt"/>
+                <a:ea typeface="+mn-ea"/>
+                <a:cs typeface="+mn-cs"/>
+              </a:defRPr>
+            </a:lvl7pPr>
+            <a:lvl8pPr marL="3429000" indent="-228600" algn="l" defTabSz="914400" rtl="0" eaLnBrk="1" latinLnBrk="0" hangingPunct="1">
+              <a:lnSpc>
+                <a:spcPct val="90000"/>
+              </a:lnSpc>
+              <a:spcBef>
+                <a:spcPts val="500"/>
+              </a:spcBef>
+              <a:buFont typeface="Arial" panose="020B0604020202020204" pitchFamily="34" charset="0"/>
+              <a:buChar char="•"/>
+              <a:defRPr sz="1800" kern="1200">
+                <a:solidFill>
+                  <a:schemeClr val="tx1"/>
+                </a:solidFill>
+                <a:latin typeface="+mn-lt"/>
+                <a:ea typeface="+mn-ea"/>
+                <a:cs typeface="+mn-cs"/>
+              </a:defRPr>
+            </a:lvl8pPr>
+            <a:lvl9pPr marL="3886200" indent="-228600" algn="l" defTabSz="914400" rtl="0" eaLnBrk="1" latinLnBrk="0" hangingPunct="1">
+              <a:lnSpc>
+                <a:spcPct val="90000"/>
+              </a:lnSpc>
+              <a:spcBef>
+                <a:spcPts val="500"/>
+              </a:spcBef>
+              <a:buFont typeface="Arial" panose="020B0604020202020204" pitchFamily="34" charset="0"/>
+              <a:buChar char="•"/>
+              <a:defRPr sz="1800" kern="1200">
+                <a:solidFill>
+                  <a:schemeClr val="tx1"/>
+                </a:solidFill>
+                <a:latin typeface="+mn-lt"/>
+                <a:ea typeface="+mn-ea"/>
+                <a:cs typeface="+mn-cs"/>
+              </a:defRPr>
+            </a:lvl9pPr>
+          </a:lstStyle>
+          <a:p>
+            <a:pPr algn="just">
+              <a:lnSpc>
+                <a:spcPct val="100000"/>
+              </a:lnSpc>
+            </a:pPr>
+            <a:r>
+              <a:rPr lang="es-ES" sz="3600" dirty="0">
+                <a:latin typeface="+mn-lt"/>
+              </a:rPr>
+              <a:t>SSIS: </a:t>
+            </a:r>
+            <a:r>
+              <a:rPr lang="es-ES" sz="3600" dirty="0" err="1">
+                <a:latin typeface="+mn-lt"/>
+              </a:rPr>
+              <a:t>Sqlserver</a:t>
+            </a:r>
+            <a:r>
+              <a:rPr lang="es-ES" sz="3600" dirty="0">
+                <a:latin typeface="+mn-lt"/>
+              </a:rPr>
+              <a:t> </a:t>
+            </a:r>
+            <a:r>
+              <a:rPr lang="es-ES" sz="3600" dirty="0" err="1">
+                <a:latin typeface="+mn-lt"/>
+              </a:rPr>
+              <a:t>Integration</a:t>
+            </a:r>
+            <a:r>
+              <a:rPr lang="es-ES" sz="3600" dirty="0">
+                <a:latin typeface="+mn-lt"/>
+              </a:rPr>
+              <a:t> </a:t>
+            </a:r>
+            <a:r>
+              <a:rPr lang="es-ES" sz="3600" dirty="0" err="1">
+                <a:latin typeface="+mn-lt"/>
+              </a:rPr>
+              <a:t>Services</a:t>
+            </a:r>
+            <a:endParaRPr lang="es-ES" sz="3600" dirty="0">
+              <a:latin typeface="+mn-lt"/>
+            </a:endParaRPr>
+          </a:p>
+          <a:p>
+            <a:pPr algn="just">
+              <a:lnSpc>
+                <a:spcPct val="100000"/>
+              </a:lnSpc>
+            </a:pPr>
+            <a:r>
+              <a:rPr lang="es-ES" sz="3600" dirty="0">
+                <a:latin typeface="+mn-lt"/>
+              </a:rPr>
+              <a:t>IBM </a:t>
+            </a:r>
+            <a:r>
+              <a:rPr lang="es-ES" sz="3600" dirty="0" err="1">
+                <a:latin typeface="+mn-lt"/>
+              </a:rPr>
+              <a:t>Datastage</a:t>
+            </a:r>
+            <a:endParaRPr lang="es-ES" sz="3600" dirty="0">
+              <a:latin typeface="+mn-lt"/>
+            </a:endParaRPr>
+          </a:p>
+          <a:p>
+            <a:pPr algn="just">
+              <a:lnSpc>
+                <a:spcPct val="100000"/>
+              </a:lnSpc>
+            </a:pPr>
+            <a:r>
+              <a:rPr lang="es-ES" sz="3600" dirty="0">
+                <a:latin typeface="+mn-lt"/>
+              </a:rPr>
+              <a:t>Oracle Data </a:t>
+            </a:r>
+            <a:r>
+              <a:rPr lang="es-ES" sz="3600" dirty="0" err="1">
+                <a:latin typeface="+mn-lt"/>
+              </a:rPr>
+              <a:t>Integrator</a:t>
+            </a:r>
+            <a:endParaRPr lang="es-ES" sz="3600" dirty="0">
+              <a:latin typeface="+mn-lt"/>
+            </a:endParaRPr>
+          </a:p>
+          <a:p>
+            <a:pPr algn="just">
+              <a:lnSpc>
+                <a:spcPct val="100000"/>
+              </a:lnSpc>
+            </a:pPr>
+            <a:r>
+              <a:rPr lang="es-ES" sz="3600" dirty="0">
+                <a:latin typeface="+mn-lt"/>
+              </a:rPr>
+              <a:t>SAP Data </a:t>
+            </a:r>
+            <a:r>
+              <a:rPr lang="es-ES" sz="3600" dirty="0" err="1">
+                <a:latin typeface="+mn-lt"/>
+              </a:rPr>
+              <a:t>Services</a:t>
+            </a:r>
+            <a:endParaRPr lang="es-ES" sz="3600" dirty="0">
+              <a:latin typeface="+mn-lt"/>
+            </a:endParaRPr>
+          </a:p>
+          <a:p>
+            <a:pPr algn="just">
+              <a:lnSpc>
+                <a:spcPct val="100000"/>
+              </a:lnSpc>
+            </a:pPr>
+            <a:r>
+              <a:rPr lang="es-ES" sz="3600" dirty="0">
+                <a:latin typeface="+mn-lt"/>
+              </a:rPr>
+              <a:t>Ab Infinito </a:t>
+            </a:r>
+          </a:p>
+          <a:p>
+            <a:pPr algn="just">
+              <a:lnSpc>
+                <a:spcPct val="100000"/>
+              </a:lnSpc>
+            </a:pPr>
+            <a:endParaRPr lang="es-CO" sz="3600" dirty="0">
+              <a:latin typeface="+mn-lt"/>
+            </a:endParaRPr>
+          </a:p>
+        </p:txBody>
+      </p:sp>
+    </p:spTree>
+    <p:extLst>
+      <p:ext uri="{BB962C8B-B14F-4D97-AF65-F5344CB8AC3E}">
+        <p14:creationId xmlns:p14="http://schemas.microsoft.com/office/powerpoint/2010/main" val="1950226466"/>
+      </p:ext>
+    </p:extLst>
+  </p:cSld>
+  <p:clrMapOvr>
+    <a:masterClrMapping/>
+  </p:clrMapOvr>
+  <p:transition>
+    <p:fade/>
+  </p:transition>
+</p:sld>
+</file>
+
+<file path=ppt/slides/slide32.xml><?xml version="1.0" encoding="utf-8"?>
+<p:sld xmlns:a="http://schemas.openxmlformats.org/drawingml/2006/main" xmlns:r="http://schemas.openxmlformats.org/officeDocument/2006/relationships" xmlns:p="http://schemas.openxmlformats.org/presentationml/2006/main">
+  <p:cSld>
+    <p:spTree>
+      <p:nvGrpSpPr>
+        <p:cNvPr id="1" name="">
+          <a:extLst>
+            <a:ext uri="{FF2B5EF4-FFF2-40B4-BE49-F238E27FC236}">
+              <a16:creationId xmlns:a16="http://schemas.microsoft.com/office/drawing/2014/main" id="{6C8EB379-0D36-3EC0-92F4-24BC04A2E886}"/>
+            </a:ext>
+          </a:extLst>
+        </p:cNvPr>
+        <p:cNvGrpSpPr/>
+        <p:nvPr/>
+      </p:nvGrpSpPr>
+      <p:grpSpPr>
+        <a:xfrm>
+          <a:off x="0" y="0"/>
+          <a:ext cx="0" cy="0"/>
+          <a:chOff x="0" y="0"/>
+          <a:chExt cx="0" cy="0"/>
+        </a:xfrm>
+      </p:grpSpPr>
+      <p:sp>
+        <p:nvSpPr>
+          <p:cNvPr id="2" name="Título 1">
+            <a:extLst>
+              <a:ext uri="{FF2B5EF4-FFF2-40B4-BE49-F238E27FC236}">
+                <a16:creationId xmlns:a16="http://schemas.microsoft.com/office/drawing/2014/main" id="{7874F602-1F96-8057-2175-87FF1E950E04}"/>
+              </a:ext>
+            </a:extLst>
+          </p:cNvPr>
+          <p:cNvSpPr>
+            <a:spLocks noGrp="1"/>
+          </p:cNvSpPr>
+          <p:nvPr>
+            <p:ph type="title"/>
+          </p:nvPr>
+        </p:nvSpPr>
+        <p:spPr>
+          <a:xfrm>
+            <a:off x="392965" y="752284"/>
+            <a:ext cx="9121149" cy="590931"/>
+          </a:xfrm>
+        </p:spPr>
+        <p:txBody>
+          <a:bodyPr/>
+          <a:lstStyle/>
+          <a:p>
+            <a:r>
+              <a:rPr lang="es-ES" b="1" dirty="0"/>
+              <a:t>Data </a:t>
+            </a:r>
+            <a:r>
+              <a:rPr lang="es-ES" b="1" dirty="0" err="1"/>
+              <a:t>Integration</a:t>
+            </a:r>
+            <a:r>
+              <a:rPr lang="es-ES" b="1" dirty="0"/>
+              <a:t> = Herramientas </a:t>
+            </a:r>
+            <a:r>
+              <a:rPr lang="es-ES" b="1"/>
+              <a:t>ETL Cloud</a:t>
+            </a:r>
+            <a:endParaRPr lang="es-CO" b="1" dirty="0"/>
+          </a:p>
+        </p:txBody>
+      </p:sp>
+      <p:sp>
+        <p:nvSpPr>
+          <p:cNvPr id="3" name="Marcador de número de diapositiva 2">
+            <a:extLst>
+              <a:ext uri="{FF2B5EF4-FFF2-40B4-BE49-F238E27FC236}">
+                <a16:creationId xmlns:a16="http://schemas.microsoft.com/office/drawing/2014/main" id="{43E2496F-18DE-2C91-9A69-5D5C26E6D5A7}"/>
+              </a:ext>
+            </a:extLst>
+          </p:cNvPr>
+          <p:cNvSpPr>
+            <a:spLocks noGrp="1"/>
+          </p:cNvSpPr>
+          <p:nvPr>
+            <p:ph type="sldNum" sz="quarter" idx="10"/>
+          </p:nvPr>
+        </p:nvSpPr>
+        <p:spPr/>
+        <p:txBody>
+          <a:bodyPr/>
+          <a:lstStyle/>
+          <a:p>
+            <a:fld id="{B560BBA4-C6AF-C845-8405-0D878B5989B4}" type="slidenum">
+              <a:rPr lang="es-CO" smtClean="0"/>
+              <a:pPr/>
+              <a:t>32</a:t>
+            </a:fld>
+            <a:endParaRPr lang="es-CO"/>
+          </a:p>
+        </p:txBody>
+      </p:sp>
+      <p:sp>
+        <p:nvSpPr>
+          <p:cNvPr id="4" name="Marcador de pie de página 3">
+            <a:extLst>
+              <a:ext uri="{FF2B5EF4-FFF2-40B4-BE49-F238E27FC236}">
+                <a16:creationId xmlns:a16="http://schemas.microsoft.com/office/drawing/2014/main" id="{C49E9765-4901-BBDF-8740-86347A488AEF}"/>
+              </a:ext>
+            </a:extLst>
+          </p:cNvPr>
+          <p:cNvSpPr>
+            <a:spLocks noGrp="1"/>
+          </p:cNvSpPr>
+          <p:nvPr>
+            <p:ph type="ftr" sz="quarter" idx="11"/>
+          </p:nvPr>
+        </p:nvSpPr>
+        <p:spPr/>
+        <p:txBody>
+          <a:bodyPr/>
+          <a:lstStyle/>
+          <a:p>
+            <a:r>
+              <a:rPr lang="es-CO"/>
+              <a:t>© TODOS LOS DERECHOS RESERVADOS POR FUNDACIÓN UNIVERSITARIA COMPENSAR</a:t>
+            </a:r>
+          </a:p>
+        </p:txBody>
+      </p:sp>
+      <p:sp>
+        <p:nvSpPr>
+          <p:cNvPr id="6" name="Marcador de contenido 1">
+            <a:extLst>
+              <a:ext uri="{FF2B5EF4-FFF2-40B4-BE49-F238E27FC236}">
+                <a16:creationId xmlns:a16="http://schemas.microsoft.com/office/drawing/2014/main" id="{A64FCAC7-9847-167A-3AA5-4739CFB2FABC}"/>
+              </a:ext>
+            </a:extLst>
+          </p:cNvPr>
+          <p:cNvSpPr txBox="1">
+            <a:spLocks/>
+          </p:cNvSpPr>
+          <p:nvPr/>
+        </p:nvSpPr>
+        <p:spPr>
+          <a:xfrm>
+            <a:off x="994229" y="1850949"/>
+            <a:ext cx="10303813" cy="4326013"/>
+          </a:xfrm>
+          <a:prstGeom prst="rect">
+            <a:avLst/>
+          </a:prstGeom>
+        </p:spPr>
+        <p:txBody>
+          <a:bodyPr>
+            <a:normAutofit/>
+          </a:bodyPr>
+          <a:lstStyle>
+            <a:lvl1pPr marL="0" indent="0" algn="l" defTabSz="914400" rtl="0" eaLnBrk="1" latinLnBrk="0" hangingPunct="1">
+              <a:lnSpc>
+                <a:spcPts val="2080"/>
+              </a:lnSpc>
+              <a:spcBef>
+                <a:spcPts val="1000"/>
+              </a:spcBef>
+              <a:buClr>
+                <a:schemeClr val="tx2"/>
+              </a:buClr>
+              <a:buFont typeface="Arial" panose="020B0604020202020204" pitchFamily="34" charset="0"/>
+              <a:buNone/>
+              <a:defRPr sz="1600" kern="1200">
+                <a:solidFill>
+                  <a:schemeClr val="tx1"/>
+                </a:solidFill>
+                <a:latin typeface="+mj-lt"/>
+                <a:ea typeface="+mn-ea"/>
+                <a:cs typeface="+mn-cs"/>
+              </a:defRPr>
+            </a:lvl1pPr>
+            <a:lvl2pPr marL="685800" indent="-228600" algn="l" defTabSz="914400" rtl="0" eaLnBrk="1" latinLnBrk="0" hangingPunct="1">
+              <a:lnSpc>
+                <a:spcPct val="90000"/>
+              </a:lnSpc>
+              <a:spcBef>
+                <a:spcPts val="500"/>
+              </a:spcBef>
+              <a:buFont typeface="Arial" panose="020B0604020202020204" pitchFamily="34" charset="0"/>
+              <a:buChar char="•"/>
+              <a:defRPr sz="2400" kern="1200">
+                <a:solidFill>
+                  <a:schemeClr val="tx1"/>
+                </a:solidFill>
+                <a:latin typeface="+mn-lt"/>
+                <a:ea typeface="+mn-ea"/>
+                <a:cs typeface="+mn-cs"/>
+              </a:defRPr>
+            </a:lvl2pPr>
+            <a:lvl3pPr marL="1143000" indent="-228600" algn="l" defTabSz="914400" rtl="0" eaLnBrk="1" latinLnBrk="0" hangingPunct="1">
+              <a:lnSpc>
+                <a:spcPct val="90000"/>
+              </a:lnSpc>
+              <a:spcBef>
+                <a:spcPts val="500"/>
+              </a:spcBef>
+              <a:buFont typeface="Arial" panose="020B0604020202020204" pitchFamily="34" charset="0"/>
+              <a:buChar char="•"/>
+              <a:defRPr sz="2000" kern="1200">
+                <a:solidFill>
+                  <a:schemeClr val="tx1"/>
+                </a:solidFill>
+                <a:latin typeface="+mn-lt"/>
+                <a:ea typeface="+mn-ea"/>
+                <a:cs typeface="+mn-cs"/>
+              </a:defRPr>
+            </a:lvl3pPr>
+            <a:lvl4pPr marL="1600200" indent="-228600" algn="l" defTabSz="914400" rtl="0" eaLnBrk="1" latinLnBrk="0" hangingPunct="1">
+              <a:lnSpc>
+                <a:spcPct val="90000"/>
+              </a:lnSpc>
+              <a:spcBef>
+                <a:spcPts val="500"/>
+              </a:spcBef>
+              <a:buFont typeface="Arial" panose="020B0604020202020204" pitchFamily="34" charset="0"/>
+              <a:buChar char="•"/>
+              <a:defRPr sz="1800" kern="1200">
+                <a:solidFill>
+                  <a:schemeClr val="tx1"/>
+                </a:solidFill>
+                <a:latin typeface="+mn-lt"/>
+                <a:ea typeface="+mn-ea"/>
+                <a:cs typeface="+mn-cs"/>
+              </a:defRPr>
+            </a:lvl4pPr>
+            <a:lvl5pPr marL="2057400" indent="-228600" algn="l" defTabSz="914400" rtl="0" eaLnBrk="1" latinLnBrk="0" hangingPunct="1">
+              <a:lnSpc>
+                <a:spcPct val="90000"/>
+              </a:lnSpc>
+              <a:spcBef>
+                <a:spcPts val="500"/>
+              </a:spcBef>
+              <a:buFont typeface="Arial" panose="020B0604020202020204" pitchFamily="34" charset="0"/>
+              <a:buChar char="•"/>
+              <a:defRPr sz="1800" kern="1200">
+                <a:solidFill>
+                  <a:schemeClr val="tx1"/>
+                </a:solidFill>
+                <a:latin typeface="+mn-lt"/>
+                <a:ea typeface="+mn-ea"/>
+                <a:cs typeface="+mn-cs"/>
+              </a:defRPr>
+            </a:lvl5pPr>
+            <a:lvl6pPr marL="2514600" indent="-228600" algn="l" defTabSz="914400" rtl="0" eaLnBrk="1" latinLnBrk="0" hangingPunct="1">
+              <a:lnSpc>
+                <a:spcPct val="90000"/>
+              </a:lnSpc>
+              <a:spcBef>
+                <a:spcPts val="500"/>
+              </a:spcBef>
+              <a:buFont typeface="Arial" panose="020B0604020202020204" pitchFamily="34" charset="0"/>
+              <a:buChar char="•"/>
+              <a:defRPr sz="1800" kern="1200">
+                <a:solidFill>
+                  <a:schemeClr val="tx1"/>
+                </a:solidFill>
+                <a:latin typeface="+mn-lt"/>
+                <a:ea typeface="+mn-ea"/>
+                <a:cs typeface="+mn-cs"/>
+              </a:defRPr>
+            </a:lvl6pPr>
+            <a:lvl7pPr marL="2971800" indent="-228600" algn="l" defTabSz="914400" rtl="0" eaLnBrk="1" latinLnBrk="0" hangingPunct="1">
+              <a:lnSpc>
+                <a:spcPct val="90000"/>
+              </a:lnSpc>
+              <a:spcBef>
+                <a:spcPts val="500"/>
+              </a:spcBef>
+              <a:buFont typeface="Arial" panose="020B0604020202020204" pitchFamily="34" charset="0"/>
+              <a:buChar char="•"/>
+              <a:defRPr sz="1800" kern="1200">
+                <a:solidFill>
+                  <a:schemeClr val="tx1"/>
+                </a:solidFill>
+                <a:latin typeface="+mn-lt"/>
+                <a:ea typeface="+mn-ea"/>
+                <a:cs typeface="+mn-cs"/>
+              </a:defRPr>
+            </a:lvl7pPr>
+            <a:lvl8pPr marL="3429000" indent="-228600" algn="l" defTabSz="914400" rtl="0" eaLnBrk="1" latinLnBrk="0" hangingPunct="1">
+              <a:lnSpc>
+                <a:spcPct val="90000"/>
+              </a:lnSpc>
+              <a:spcBef>
+                <a:spcPts val="500"/>
+              </a:spcBef>
+              <a:buFont typeface="Arial" panose="020B0604020202020204" pitchFamily="34" charset="0"/>
+              <a:buChar char="•"/>
+              <a:defRPr sz="1800" kern="1200">
+                <a:solidFill>
+                  <a:schemeClr val="tx1"/>
+                </a:solidFill>
+                <a:latin typeface="+mn-lt"/>
+                <a:ea typeface="+mn-ea"/>
+                <a:cs typeface="+mn-cs"/>
+              </a:defRPr>
+            </a:lvl8pPr>
+            <a:lvl9pPr marL="3886200" indent="-228600" algn="l" defTabSz="914400" rtl="0" eaLnBrk="1" latinLnBrk="0" hangingPunct="1">
+              <a:lnSpc>
+                <a:spcPct val="90000"/>
+              </a:lnSpc>
+              <a:spcBef>
+                <a:spcPts val="500"/>
+              </a:spcBef>
+              <a:buFont typeface="Arial" panose="020B0604020202020204" pitchFamily="34" charset="0"/>
+              <a:buChar char="•"/>
+              <a:defRPr sz="1800" kern="1200">
+                <a:solidFill>
+                  <a:schemeClr val="tx1"/>
+                </a:solidFill>
+                <a:latin typeface="+mn-lt"/>
+                <a:ea typeface="+mn-ea"/>
+                <a:cs typeface="+mn-cs"/>
+              </a:defRPr>
+            </a:lvl9pPr>
+          </a:lstStyle>
+          <a:p>
+            <a:pPr algn="just">
+              <a:lnSpc>
+                <a:spcPct val="100000"/>
+              </a:lnSpc>
+            </a:pPr>
+            <a:r>
+              <a:rPr lang="es-ES" sz="3600" dirty="0">
+                <a:latin typeface="+mn-lt"/>
+              </a:rPr>
+              <a:t>AWS </a:t>
+            </a:r>
+            <a:r>
+              <a:rPr lang="es-ES" sz="3600" dirty="0" err="1">
+                <a:latin typeface="+mn-lt"/>
+              </a:rPr>
+              <a:t>Glue</a:t>
+            </a:r>
+            <a:endParaRPr lang="es-ES" sz="3600" dirty="0">
+              <a:latin typeface="+mn-lt"/>
+            </a:endParaRPr>
+          </a:p>
+          <a:p>
+            <a:pPr algn="just">
+              <a:lnSpc>
+                <a:spcPct val="100000"/>
+              </a:lnSpc>
+            </a:pPr>
+            <a:r>
+              <a:rPr lang="es-ES" sz="3600" dirty="0">
+                <a:latin typeface="+mn-lt"/>
+              </a:rPr>
+              <a:t>GC </a:t>
+            </a:r>
+            <a:r>
+              <a:rPr lang="es-ES" sz="3600" dirty="0" err="1">
+                <a:latin typeface="+mn-lt"/>
+              </a:rPr>
+              <a:t>Dataflow</a:t>
+            </a:r>
+            <a:endParaRPr lang="es-ES" sz="3600" dirty="0">
+              <a:latin typeface="+mn-lt"/>
+            </a:endParaRPr>
+          </a:p>
+          <a:p>
+            <a:pPr algn="just">
+              <a:lnSpc>
+                <a:spcPct val="100000"/>
+              </a:lnSpc>
+            </a:pPr>
+            <a:r>
+              <a:rPr lang="es-ES" sz="3600" dirty="0">
+                <a:latin typeface="+mn-lt"/>
+              </a:rPr>
+              <a:t>Azure </a:t>
+            </a:r>
+            <a:r>
+              <a:rPr lang="es-ES" sz="3600" dirty="0" err="1">
+                <a:latin typeface="+mn-lt"/>
+              </a:rPr>
+              <a:t>DataFactory</a:t>
+            </a:r>
+            <a:endParaRPr lang="es-ES" sz="3600" dirty="0">
+              <a:latin typeface="+mn-lt"/>
+            </a:endParaRPr>
+          </a:p>
+          <a:p>
+            <a:pPr algn="just">
+              <a:lnSpc>
+                <a:spcPct val="100000"/>
+              </a:lnSpc>
+            </a:pPr>
+            <a:endParaRPr lang="es-ES" sz="3600" dirty="0">
+              <a:latin typeface="+mn-lt"/>
+            </a:endParaRPr>
+          </a:p>
+          <a:p>
+            <a:pPr algn="just">
+              <a:lnSpc>
+                <a:spcPct val="100000"/>
+              </a:lnSpc>
+            </a:pPr>
+            <a:endParaRPr lang="es-CO" sz="3600" dirty="0">
+              <a:latin typeface="+mn-lt"/>
+            </a:endParaRPr>
+          </a:p>
+        </p:txBody>
+      </p:sp>
+    </p:spTree>
+    <p:extLst>
+      <p:ext uri="{BB962C8B-B14F-4D97-AF65-F5344CB8AC3E}">
+        <p14:creationId xmlns:p14="http://schemas.microsoft.com/office/powerpoint/2010/main" val="2913936770"/>
+      </p:ext>
+    </p:extLst>
+  </p:cSld>
+  <p:clrMapOvr>
+    <a:masterClrMapping/>
+  </p:clrMapOvr>
+  <p:transition>
+    <p:fade/>
+  </p:transition>
+</p:sld>
+</file>
+
+<file path=ppt/slides/slide33.xml><?xml version="1.0" encoding="utf-8"?>
+<p:sld xmlns:a="http://schemas.openxmlformats.org/drawingml/2006/main" xmlns:r="http://schemas.openxmlformats.org/officeDocument/2006/relationships" xmlns:p="http://schemas.openxmlformats.org/presentationml/2006/main">
+  <p:cSld>
+    <p:spTree>
+      <p:nvGrpSpPr>
+        <p:cNvPr id="1" name="">
+          <a:extLst>
+            <a:ext uri="{FF2B5EF4-FFF2-40B4-BE49-F238E27FC236}">
+              <a16:creationId xmlns:a16="http://schemas.microsoft.com/office/drawing/2014/main" id="{EE1D19EE-01E7-952B-1627-6007BA0384C8}"/>
+            </a:ext>
+          </a:extLst>
+        </p:cNvPr>
+        <p:cNvGrpSpPr/>
+        <p:nvPr/>
+      </p:nvGrpSpPr>
+      <p:grpSpPr>
+        <a:xfrm>
+          <a:off x="0" y="0"/>
+          <a:ext cx="0" cy="0"/>
+          <a:chOff x="0" y="0"/>
+          <a:chExt cx="0" cy="0"/>
+        </a:xfrm>
+      </p:grpSpPr>
+      <p:sp>
+        <p:nvSpPr>
+          <p:cNvPr id="2" name="Título 1">
+            <a:extLst>
+              <a:ext uri="{FF2B5EF4-FFF2-40B4-BE49-F238E27FC236}">
+                <a16:creationId xmlns:a16="http://schemas.microsoft.com/office/drawing/2014/main" id="{A4E61978-D10F-F39C-B2F3-08DD01593A29}"/>
+              </a:ext>
+            </a:extLst>
+          </p:cNvPr>
+          <p:cNvSpPr>
+            <a:spLocks noGrp="1"/>
+          </p:cNvSpPr>
+          <p:nvPr>
+            <p:ph type="title"/>
+          </p:nvPr>
+        </p:nvSpPr>
+        <p:spPr>
+          <a:xfrm>
+            <a:off x="392965" y="752284"/>
+            <a:ext cx="9121149" cy="590931"/>
+          </a:xfrm>
+        </p:spPr>
+        <p:txBody>
+          <a:bodyPr/>
+          <a:lstStyle/>
+          <a:p>
+            <a:r>
+              <a:rPr lang="es-ES" b="1" dirty="0"/>
+              <a:t>Retos</a:t>
+            </a:r>
+            <a:endParaRPr lang="es-CO" b="1" dirty="0"/>
+          </a:p>
+        </p:txBody>
+      </p:sp>
+      <p:sp>
+        <p:nvSpPr>
+          <p:cNvPr id="3" name="Marcador de número de diapositiva 2">
+            <a:extLst>
+              <a:ext uri="{FF2B5EF4-FFF2-40B4-BE49-F238E27FC236}">
+                <a16:creationId xmlns:a16="http://schemas.microsoft.com/office/drawing/2014/main" id="{5F5592C7-8917-420F-804A-337FAC3D1E4C}"/>
+              </a:ext>
+            </a:extLst>
+          </p:cNvPr>
+          <p:cNvSpPr>
+            <a:spLocks noGrp="1"/>
+          </p:cNvSpPr>
+          <p:nvPr>
+            <p:ph type="sldNum" sz="quarter" idx="10"/>
+          </p:nvPr>
+        </p:nvSpPr>
+        <p:spPr/>
+        <p:txBody>
+          <a:bodyPr/>
+          <a:lstStyle/>
+          <a:p>
+            <a:fld id="{B560BBA4-C6AF-C845-8405-0D878B5989B4}" type="slidenum">
+              <a:rPr lang="es-CO" smtClean="0"/>
+              <a:pPr/>
+              <a:t>33</a:t>
+            </a:fld>
+            <a:endParaRPr lang="es-CO"/>
+          </a:p>
+        </p:txBody>
+      </p:sp>
+      <p:sp>
+        <p:nvSpPr>
+          <p:cNvPr id="4" name="Marcador de pie de página 3">
+            <a:extLst>
+              <a:ext uri="{FF2B5EF4-FFF2-40B4-BE49-F238E27FC236}">
+                <a16:creationId xmlns:a16="http://schemas.microsoft.com/office/drawing/2014/main" id="{AC5CC728-D597-8DD9-14EF-F9809432EDB6}"/>
+              </a:ext>
+            </a:extLst>
+          </p:cNvPr>
+          <p:cNvSpPr>
+            <a:spLocks noGrp="1"/>
+          </p:cNvSpPr>
+          <p:nvPr>
+            <p:ph type="ftr" sz="quarter" idx="11"/>
+          </p:nvPr>
+        </p:nvSpPr>
+        <p:spPr/>
+        <p:txBody>
+          <a:bodyPr/>
+          <a:lstStyle/>
+          <a:p>
+            <a:r>
+              <a:rPr lang="es-CO"/>
+              <a:t>© TODOS LOS DERECHOS RESERVADOS POR FUNDACIÓN UNIVERSITARIA COMPENSAR</a:t>
+            </a:r>
+          </a:p>
+        </p:txBody>
+      </p:sp>
+      <p:sp>
+        <p:nvSpPr>
+          <p:cNvPr id="6" name="Marcador de contenido 1">
+            <a:extLst>
+              <a:ext uri="{FF2B5EF4-FFF2-40B4-BE49-F238E27FC236}">
+                <a16:creationId xmlns:a16="http://schemas.microsoft.com/office/drawing/2014/main" id="{4E03DB93-453A-4E64-CAD8-7972049DC5E1}"/>
+              </a:ext>
+            </a:extLst>
+          </p:cNvPr>
+          <p:cNvSpPr txBox="1">
+            <a:spLocks/>
+          </p:cNvSpPr>
+          <p:nvPr/>
+        </p:nvSpPr>
+        <p:spPr>
+          <a:xfrm>
+            <a:off x="994229" y="1850949"/>
+            <a:ext cx="10303813" cy="4326013"/>
+          </a:xfrm>
+          <a:prstGeom prst="rect">
+            <a:avLst/>
+          </a:prstGeom>
+        </p:spPr>
+        <p:txBody>
+          <a:bodyPr>
+            <a:normAutofit fontScale="70000" lnSpcReduction="20000"/>
+          </a:bodyPr>
+          <a:lstStyle>
+            <a:lvl1pPr marL="0" indent="0" algn="l" defTabSz="914400" rtl="0" eaLnBrk="1" latinLnBrk="0" hangingPunct="1">
+              <a:lnSpc>
+                <a:spcPts val="2080"/>
+              </a:lnSpc>
+              <a:spcBef>
+                <a:spcPts val="1000"/>
+              </a:spcBef>
+              <a:buClr>
+                <a:schemeClr val="tx2"/>
+              </a:buClr>
+              <a:buFont typeface="Arial" panose="020B0604020202020204" pitchFamily="34" charset="0"/>
+              <a:buNone/>
+              <a:defRPr sz="1600" kern="1200">
+                <a:solidFill>
+                  <a:schemeClr val="tx1"/>
+                </a:solidFill>
+                <a:latin typeface="+mj-lt"/>
+                <a:ea typeface="+mn-ea"/>
+                <a:cs typeface="+mn-cs"/>
+              </a:defRPr>
+            </a:lvl1pPr>
+            <a:lvl2pPr marL="685800" indent="-228600" algn="l" defTabSz="914400" rtl="0" eaLnBrk="1" latinLnBrk="0" hangingPunct="1">
+              <a:lnSpc>
+                <a:spcPct val="90000"/>
+              </a:lnSpc>
+              <a:spcBef>
+                <a:spcPts val="500"/>
+              </a:spcBef>
+              <a:buFont typeface="Arial" panose="020B0604020202020204" pitchFamily="34" charset="0"/>
+              <a:buChar char="•"/>
+              <a:defRPr sz="2400" kern="1200">
+                <a:solidFill>
+                  <a:schemeClr val="tx1"/>
+                </a:solidFill>
+                <a:latin typeface="+mn-lt"/>
+                <a:ea typeface="+mn-ea"/>
+                <a:cs typeface="+mn-cs"/>
+              </a:defRPr>
+            </a:lvl2pPr>
+            <a:lvl3pPr marL="1143000" indent="-228600" algn="l" defTabSz="914400" rtl="0" eaLnBrk="1" latinLnBrk="0" hangingPunct="1">
+              <a:lnSpc>
+                <a:spcPct val="90000"/>
+              </a:lnSpc>
+              <a:spcBef>
+                <a:spcPts val="500"/>
+              </a:spcBef>
+              <a:buFont typeface="Arial" panose="020B0604020202020204" pitchFamily="34" charset="0"/>
+              <a:buChar char="•"/>
+              <a:defRPr sz="2000" kern="1200">
+                <a:solidFill>
+                  <a:schemeClr val="tx1"/>
+                </a:solidFill>
+                <a:latin typeface="+mn-lt"/>
+                <a:ea typeface="+mn-ea"/>
+                <a:cs typeface="+mn-cs"/>
+              </a:defRPr>
+            </a:lvl3pPr>
+            <a:lvl4pPr marL="1600200" indent="-228600" algn="l" defTabSz="914400" rtl="0" eaLnBrk="1" latinLnBrk="0" hangingPunct="1">
+              <a:lnSpc>
+                <a:spcPct val="90000"/>
+              </a:lnSpc>
+              <a:spcBef>
+                <a:spcPts val="500"/>
+              </a:spcBef>
+              <a:buFont typeface="Arial" panose="020B0604020202020204" pitchFamily="34" charset="0"/>
+              <a:buChar char="•"/>
+              <a:defRPr sz="1800" kern="1200">
+                <a:solidFill>
+                  <a:schemeClr val="tx1"/>
+                </a:solidFill>
+                <a:latin typeface="+mn-lt"/>
+                <a:ea typeface="+mn-ea"/>
+                <a:cs typeface="+mn-cs"/>
+              </a:defRPr>
+            </a:lvl4pPr>
+            <a:lvl5pPr marL="2057400" indent="-228600" algn="l" defTabSz="914400" rtl="0" eaLnBrk="1" latinLnBrk="0" hangingPunct="1">
+              <a:lnSpc>
+                <a:spcPct val="90000"/>
+              </a:lnSpc>
+              <a:spcBef>
+                <a:spcPts val="500"/>
+              </a:spcBef>
+              <a:buFont typeface="Arial" panose="020B0604020202020204" pitchFamily="34" charset="0"/>
+              <a:buChar char="•"/>
+              <a:defRPr sz="1800" kern="1200">
+                <a:solidFill>
+                  <a:schemeClr val="tx1"/>
+                </a:solidFill>
+                <a:latin typeface="+mn-lt"/>
+                <a:ea typeface="+mn-ea"/>
+                <a:cs typeface="+mn-cs"/>
+              </a:defRPr>
+            </a:lvl5pPr>
+            <a:lvl6pPr marL="2514600" indent="-228600" algn="l" defTabSz="914400" rtl="0" eaLnBrk="1" latinLnBrk="0" hangingPunct="1">
+              <a:lnSpc>
+                <a:spcPct val="90000"/>
+              </a:lnSpc>
+              <a:spcBef>
+                <a:spcPts val="500"/>
+              </a:spcBef>
+              <a:buFont typeface="Arial" panose="020B0604020202020204" pitchFamily="34" charset="0"/>
+              <a:buChar char="•"/>
+              <a:defRPr sz="1800" kern="1200">
+                <a:solidFill>
+                  <a:schemeClr val="tx1"/>
+                </a:solidFill>
+                <a:latin typeface="+mn-lt"/>
+                <a:ea typeface="+mn-ea"/>
+                <a:cs typeface="+mn-cs"/>
+              </a:defRPr>
+            </a:lvl6pPr>
+            <a:lvl7pPr marL="2971800" indent="-228600" algn="l" defTabSz="914400" rtl="0" eaLnBrk="1" latinLnBrk="0" hangingPunct="1">
+              <a:lnSpc>
+                <a:spcPct val="90000"/>
+              </a:lnSpc>
+              <a:spcBef>
+                <a:spcPts val="500"/>
+              </a:spcBef>
+              <a:buFont typeface="Arial" panose="020B0604020202020204" pitchFamily="34" charset="0"/>
+              <a:buChar char="•"/>
+              <a:defRPr sz="1800" kern="1200">
+                <a:solidFill>
+                  <a:schemeClr val="tx1"/>
+                </a:solidFill>
+                <a:latin typeface="+mn-lt"/>
+                <a:ea typeface="+mn-ea"/>
+                <a:cs typeface="+mn-cs"/>
+              </a:defRPr>
+            </a:lvl7pPr>
+            <a:lvl8pPr marL="3429000" indent="-228600" algn="l" defTabSz="914400" rtl="0" eaLnBrk="1" latinLnBrk="0" hangingPunct="1">
+              <a:lnSpc>
+                <a:spcPct val="90000"/>
+              </a:lnSpc>
+              <a:spcBef>
+                <a:spcPts val="500"/>
+              </a:spcBef>
+              <a:buFont typeface="Arial" panose="020B0604020202020204" pitchFamily="34" charset="0"/>
+              <a:buChar char="•"/>
+              <a:defRPr sz="1800" kern="1200">
+                <a:solidFill>
+                  <a:schemeClr val="tx1"/>
+                </a:solidFill>
+                <a:latin typeface="+mn-lt"/>
+                <a:ea typeface="+mn-ea"/>
+                <a:cs typeface="+mn-cs"/>
+              </a:defRPr>
+            </a:lvl8pPr>
+            <a:lvl9pPr marL="3886200" indent="-228600" algn="l" defTabSz="914400" rtl="0" eaLnBrk="1" latinLnBrk="0" hangingPunct="1">
+              <a:lnSpc>
+                <a:spcPct val="90000"/>
+              </a:lnSpc>
+              <a:spcBef>
+                <a:spcPts val="500"/>
+              </a:spcBef>
+              <a:buFont typeface="Arial" panose="020B0604020202020204" pitchFamily="34" charset="0"/>
+              <a:buChar char="•"/>
+              <a:defRPr sz="1800" kern="1200">
+                <a:solidFill>
+                  <a:schemeClr val="tx1"/>
+                </a:solidFill>
+                <a:latin typeface="+mn-lt"/>
+                <a:ea typeface="+mn-ea"/>
+                <a:cs typeface="+mn-cs"/>
+              </a:defRPr>
+            </a:lvl9pPr>
+          </a:lstStyle>
+          <a:p>
+            <a:pPr marL="457200" indent="-457200">
+              <a:buFont typeface="+mj-lt"/>
+              <a:buAutoNum type="arabicPeriod"/>
+            </a:pPr>
+            <a:r>
+              <a:rPr lang="es-ES" sz="3600" dirty="0">
+                <a:solidFill>
+                  <a:srgbClr val="4D4D4D"/>
+                </a:solidFill>
+                <a:latin typeface="Work Sans" panose="00000500000000000000" pitchFamily="50" charset="0"/>
+              </a:rPr>
+              <a:t>Múltiples fuentes de datos: Las empresas de BPO manejan datos de diferentes sistemas y plataformas.</a:t>
+            </a:r>
+          </a:p>
+          <a:p>
+            <a:pPr marL="457200" indent="-457200">
+              <a:buFont typeface="+mj-lt"/>
+              <a:buAutoNum type="arabicPeriod"/>
+            </a:pPr>
+            <a:r>
+              <a:rPr lang="es-ES" sz="3600" dirty="0">
+                <a:solidFill>
+                  <a:srgbClr val="4D4D4D"/>
+                </a:solidFill>
+                <a:latin typeface="Work Sans" panose="00000500000000000000" pitchFamily="50" charset="0"/>
+              </a:rPr>
+              <a:t>Problemas de calidad de datos: Datos incompletos, inconsistentes o inexactos afectan la toma de decisiones.</a:t>
+            </a:r>
+          </a:p>
+          <a:p>
+            <a:pPr marL="457200" indent="-457200">
+              <a:buFont typeface="+mj-lt"/>
+              <a:buAutoNum type="arabicPeriod"/>
+            </a:pPr>
+            <a:r>
+              <a:rPr lang="es-ES" sz="3600" dirty="0">
+                <a:solidFill>
+                  <a:srgbClr val="4D4D4D"/>
+                </a:solidFill>
+                <a:latin typeface="Work Sans" panose="00000500000000000000" pitchFamily="50" charset="0"/>
+              </a:rPr>
+              <a:t>Complejidades de integración de datos: Integrar datos de fuentes dispares es un desafío.</a:t>
+            </a:r>
+          </a:p>
+          <a:p>
+            <a:pPr marL="457200" indent="-457200">
+              <a:buFont typeface="+mj-lt"/>
+              <a:buAutoNum type="arabicPeriod"/>
+            </a:pPr>
+            <a:r>
+              <a:rPr lang="es-ES" sz="3600" dirty="0">
+                <a:solidFill>
+                  <a:srgbClr val="4D4D4D"/>
+                </a:solidFill>
+                <a:latin typeface="Work Sans" panose="00000500000000000000" pitchFamily="50" charset="0"/>
+              </a:rPr>
+              <a:t>Acceso a datos en tiempo real: Acceder a los datos de manera oportuna para monitoreo y toma de decisiones es esencial.</a:t>
+            </a:r>
+          </a:p>
+          <a:p>
+            <a:pPr marL="457200" indent="-457200">
+              <a:buFont typeface="+mj-lt"/>
+              <a:buAutoNum type="arabicPeriod"/>
+            </a:pPr>
+            <a:r>
+              <a:rPr lang="es-ES" sz="3600" dirty="0">
+                <a:solidFill>
+                  <a:srgbClr val="4D4D4D"/>
+                </a:solidFill>
+                <a:latin typeface="Work Sans" panose="00000500000000000000" pitchFamily="50" charset="0"/>
+              </a:rPr>
+              <a:t>Riesgos de seguridad de los datos: Si no se cuenta con los controles adecuados, la información de los clientes puede perder confidencialidad, integridad y disponibilidad.</a:t>
+            </a:r>
+          </a:p>
+        </p:txBody>
+      </p:sp>
+    </p:spTree>
+    <p:extLst>
+      <p:ext uri="{BB962C8B-B14F-4D97-AF65-F5344CB8AC3E}">
+        <p14:creationId xmlns:p14="http://schemas.microsoft.com/office/powerpoint/2010/main" val="422900993"/>
+      </p:ext>
+    </p:extLst>
+  </p:cSld>
+  <p:clrMapOvr>
+    <a:masterClrMapping/>
+  </p:clrMapOvr>
+  <p:transition>
+    <p:fade/>
+  </p:transition>
+</p:sld>
+</file>
+
+<file path=ppt/slides/slide34.xml><?xml version="1.0" encoding="utf-8"?>
+<p:sld xmlns:a="http://schemas.openxmlformats.org/drawingml/2006/main" xmlns:r="http://schemas.openxmlformats.org/officeDocument/2006/relationships" xmlns:p="http://schemas.openxmlformats.org/presentationml/2006/main">
+  <p:cSld>
+    <p:spTree>
+      <p:nvGrpSpPr>
+        <p:cNvPr id="1" name="">
+          <a:extLst>
+            <a:ext uri="{FF2B5EF4-FFF2-40B4-BE49-F238E27FC236}">
+              <a16:creationId xmlns:a16="http://schemas.microsoft.com/office/drawing/2014/main" id="{293D686C-AE6A-E0A7-ED34-765E2813C791}"/>
+            </a:ext>
+          </a:extLst>
+        </p:cNvPr>
+        <p:cNvGrpSpPr/>
+        <p:nvPr/>
+      </p:nvGrpSpPr>
+      <p:grpSpPr>
+        <a:xfrm>
+          <a:off x="0" y="0"/>
+          <a:ext cx="0" cy="0"/>
+          <a:chOff x="0" y="0"/>
+          <a:chExt cx="0" cy="0"/>
+        </a:xfrm>
+      </p:grpSpPr>
+      <p:sp>
+        <p:nvSpPr>
+          <p:cNvPr id="2" name="Título 1">
+            <a:extLst>
+              <a:ext uri="{FF2B5EF4-FFF2-40B4-BE49-F238E27FC236}">
+                <a16:creationId xmlns:a16="http://schemas.microsoft.com/office/drawing/2014/main" id="{71630C57-4A3A-13A5-3063-825810617A6F}"/>
+              </a:ext>
+            </a:extLst>
+          </p:cNvPr>
+          <p:cNvSpPr>
+            <a:spLocks noGrp="1"/>
+          </p:cNvSpPr>
+          <p:nvPr>
+            <p:ph type="title"/>
+          </p:nvPr>
+        </p:nvSpPr>
+        <p:spPr>
+          <a:xfrm>
+            <a:off x="392965" y="752284"/>
+            <a:ext cx="9121149" cy="590931"/>
+          </a:xfrm>
+        </p:spPr>
+        <p:txBody>
+          <a:bodyPr/>
+          <a:lstStyle/>
+          <a:p>
+            <a:r>
+              <a:rPr lang="es-ES" b="1" dirty="0"/>
+              <a:t>Retos</a:t>
+            </a:r>
+            <a:endParaRPr lang="es-CO" b="1" dirty="0"/>
+          </a:p>
+        </p:txBody>
+      </p:sp>
+      <p:sp>
+        <p:nvSpPr>
+          <p:cNvPr id="3" name="Marcador de número de diapositiva 2">
+            <a:extLst>
+              <a:ext uri="{FF2B5EF4-FFF2-40B4-BE49-F238E27FC236}">
+                <a16:creationId xmlns:a16="http://schemas.microsoft.com/office/drawing/2014/main" id="{732F0ACA-891E-31E7-BD83-41B7C9BE08D0}"/>
+              </a:ext>
+            </a:extLst>
+          </p:cNvPr>
+          <p:cNvSpPr>
+            <a:spLocks noGrp="1"/>
+          </p:cNvSpPr>
+          <p:nvPr>
+            <p:ph type="sldNum" sz="quarter" idx="10"/>
+          </p:nvPr>
+        </p:nvSpPr>
+        <p:spPr/>
+        <p:txBody>
+          <a:bodyPr/>
+          <a:lstStyle/>
+          <a:p>
+            <a:fld id="{B560BBA4-C6AF-C845-8405-0D878B5989B4}" type="slidenum">
+              <a:rPr lang="es-CO" smtClean="0"/>
+              <a:pPr/>
+              <a:t>34</a:t>
+            </a:fld>
+            <a:endParaRPr lang="es-CO"/>
+          </a:p>
+        </p:txBody>
+      </p:sp>
+      <p:sp>
+        <p:nvSpPr>
+          <p:cNvPr id="4" name="Marcador de pie de página 3">
+            <a:extLst>
+              <a:ext uri="{FF2B5EF4-FFF2-40B4-BE49-F238E27FC236}">
+                <a16:creationId xmlns:a16="http://schemas.microsoft.com/office/drawing/2014/main" id="{47FC1BBA-D8A7-F451-9A5B-EFD88A265138}"/>
+              </a:ext>
+            </a:extLst>
+          </p:cNvPr>
+          <p:cNvSpPr>
+            <a:spLocks noGrp="1"/>
+          </p:cNvSpPr>
+          <p:nvPr>
+            <p:ph type="ftr" sz="quarter" idx="11"/>
+          </p:nvPr>
+        </p:nvSpPr>
+        <p:spPr/>
+        <p:txBody>
+          <a:bodyPr/>
+          <a:lstStyle/>
+          <a:p>
+            <a:r>
+              <a:rPr lang="es-CO"/>
+              <a:t>© TODOS LOS DERECHOS RESERVADOS POR FUNDACIÓN UNIVERSITARIA COMPENSAR</a:t>
+            </a:r>
+          </a:p>
+        </p:txBody>
+      </p:sp>
+      <p:sp>
+        <p:nvSpPr>
+          <p:cNvPr id="6" name="Marcador de contenido 1">
+            <a:extLst>
+              <a:ext uri="{FF2B5EF4-FFF2-40B4-BE49-F238E27FC236}">
+                <a16:creationId xmlns:a16="http://schemas.microsoft.com/office/drawing/2014/main" id="{EB1B1425-A416-0FD4-2EAA-8B5A192444CE}"/>
+              </a:ext>
+            </a:extLst>
+          </p:cNvPr>
+          <p:cNvSpPr txBox="1">
+            <a:spLocks/>
+          </p:cNvSpPr>
+          <p:nvPr/>
+        </p:nvSpPr>
+        <p:spPr>
+          <a:xfrm>
+            <a:off x="994229" y="1850949"/>
+            <a:ext cx="10303813" cy="4326013"/>
+          </a:xfrm>
+          <a:prstGeom prst="rect">
+            <a:avLst/>
+          </a:prstGeom>
+        </p:spPr>
+        <p:txBody>
+          <a:bodyPr>
+            <a:normAutofit/>
+          </a:bodyPr>
+          <a:lstStyle>
+            <a:lvl1pPr marL="0" indent="0" algn="l" defTabSz="914400" rtl="0" eaLnBrk="1" latinLnBrk="0" hangingPunct="1">
+              <a:lnSpc>
+                <a:spcPts val="2080"/>
+              </a:lnSpc>
+              <a:spcBef>
+                <a:spcPts val="1000"/>
+              </a:spcBef>
+              <a:buClr>
+                <a:schemeClr val="tx2"/>
+              </a:buClr>
+              <a:buFont typeface="Arial" panose="020B0604020202020204" pitchFamily="34" charset="0"/>
+              <a:buNone/>
+              <a:defRPr sz="1600" kern="1200">
+                <a:solidFill>
+                  <a:schemeClr val="tx1"/>
+                </a:solidFill>
+                <a:latin typeface="+mj-lt"/>
+                <a:ea typeface="+mn-ea"/>
+                <a:cs typeface="+mn-cs"/>
+              </a:defRPr>
+            </a:lvl1pPr>
+            <a:lvl2pPr marL="685800" indent="-228600" algn="l" defTabSz="914400" rtl="0" eaLnBrk="1" latinLnBrk="0" hangingPunct="1">
+              <a:lnSpc>
+                <a:spcPct val="90000"/>
+              </a:lnSpc>
+              <a:spcBef>
+                <a:spcPts val="500"/>
+              </a:spcBef>
+              <a:buFont typeface="Arial" panose="020B0604020202020204" pitchFamily="34" charset="0"/>
+              <a:buChar char="•"/>
+              <a:defRPr sz="2400" kern="1200">
+                <a:solidFill>
+                  <a:schemeClr val="tx1"/>
+                </a:solidFill>
+                <a:latin typeface="+mn-lt"/>
+                <a:ea typeface="+mn-ea"/>
+                <a:cs typeface="+mn-cs"/>
+              </a:defRPr>
+            </a:lvl2pPr>
+            <a:lvl3pPr marL="1143000" indent="-228600" algn="l" defTabSz="914400" rtl="0" eaLnBrk="1" latinLnBrk="0" hangingPunct="1">
+              <a:lnSpc>
+                <a:spcPct val="90000"/>
+              </a:lnSpc>
+              <a:spcBef>
+                <a:spcPts val="500"/>
+              </a:spcBef>
+              <a:buFont typeface="Arial" panose="020B0604020202020204" pitchFamily="34" charset="0"/>
+              <a:buChar char="•"/>
+              <a:defRPr sz="2000" kern="1200">
+                <a:solidFill>
+                  <a:schemeClr val="tx1"/>
+                </a:solidFill>
+                <a:latin typeface="+mn-lt"/>
+                <a:ea typeface="+mn-ea"/>
+                <a:cs typeface="+mn-cs"/>
+              </a:defRPr>
+            </a:lvl3pPr>
+            <a:lvl4pPr marL="1600200" indent="-228600" algn="l" defTabSz="914400" rtl="0" eaLnBrk="1" latinLnBrk="0" hangingPunct="1">
+              <a:lnSpc>
+                <a:spcPct val="90000"/>
+              </a:lnSpc>
+              <a:spcBef>
+                <a:spcPts val="500"/>
+              </a:spcBef>
+              <a:buFont typeface="Arial" panose="020B0604020202020204" pitchFamily="34" charset="0"/>
+              <a:buChar char="•"/>
+              <a:defRPr sz="1800" kern="1200">
+                <a:solidFill>
+                  <a:schemeClr val="tx1"/>
+                </a:solidFill>
+                <a:latin typeface="+mn-lt"/>
+                <a:ea typeface="+mn-ea"/>
+                <a:cs typeface="+mn-cs"/>
+              </a:defRPr>
+            </a:lvl4pPr>
+            <a:lvl5pPr marL="2057400" indent="-228600" algn="l" defTabSz="914400" rtl="0" eaLnBrk="1" latinLnBrk="0" hangingPunct="1">
+              <a:lnSpc>
+                <a:spcPct val="90000"/>
+              </a:lnSpc>
+              <a:spcBef>
+                <a:spcPts val="500"/>
+              </a:spcBef>
+              <a:buFont typeface="Arial" panose="020B0604020202020204" pitchFamily="34" charset="0"/>
+              <a:buChar char="•"/>
+              <a:defRPr sz="1800" kern="1200">
+                <a:solidFill>
+                  <a:schemeClr val="tx1"/>
+                </a:solidFill>
+                <a:latin typeface="+mn-lt"/>
+                <a:ea typeface="+mn-ea"/>
+                <a:cs typeface="+mn-cs"/>
+              </a:defRPr>
+            </a:lvl5pPr>
+            <a:lvl6pPr marL="2514600" indent="-228600" algn="l" defTabSz="914400" rtl="0" eaLnBrk="1" latinLnBrk="0" hangingPunct="1">
+              <a:lnSpc>
+                <a:spcPct val="90000"/>
+              </a:lnSpc>
+              <a:spcBef>
+                <a:spcPts val="500"/>
+              </a:spcBef>
+              <a:buFont typeface="Arial" panose="020B0604020202020204" pitchFamily="34" charset="0"/>
+              <a:buChar char="•"/>
+              <a:defRPr sz="1800" kern="1200">
+                <a:solidFill>
+                  <a:schemeClr val="tx1"/>
+                </a:solidFill>
+                <a:latin typeface="+mn-lt"/>
+                <a:ea typeface="+mn-ea"/>
+                <a:cs typeface="+mn-cs"/>
+              </a:defRPr>
+            </a:lvl6pPr>
+            <a:lvl7pPr marL="2971800" indent="-228600" algn="l" defTabSz="914400" rtl="0" eaLnBrk="1" latinLnBrk="0" hangingPunct="1">
+              <a:lnSpc>
+                <a:spcPct val="90000"/>
+              </a:lnSpc>
+              <a:spcBef>
+                <a:spcPts val="500"/>
+              </a:spcBef>
+              <a:buFont typeface="Arial" panose="020B0604020202020204" pitchFamily="34" charset="0"/>
+              <a:buChar char="•"/>
+              <a:defRPr sz="1800" kern="1200">
+                <a:solidFill>
+                  <a:schemeClr val="tx1"/>
+                </a:solidFill>
+                <a:latin typeface="+mn-lt"/>
+                <a:ea typeface="+mn-ea"/>
+                <a:cs typeface="+mn-cs"/>
+              </a:defRPr>
+            </a:lvl7pPr>
+            <a:lvl8pPr marL="3429000" indent="-228600" algn="l" defTabSz="914400" rtl="0" eaLnBrk="1" latinLnBrk="0" hangingPunct="1">
+              <a:lnSpc>
+                <a:spcPct val="90000"/>
+              </a:lnSpc>
+              <a:spcBef>
+                <a:spcPts val="500"/>
+              </a:spcBef>
+              <a:buFont typeface="Arial" panose="020B0604020202020204" pitchFamily="34" charset="0"/>
+              <a:buChar char="•"/>
+              <a:defRPr sz="1800" kern="1200">
+                <a:solidFill>
+                  <a:schemeClr val="tx1"/>
+                </a:solidFill>
+                <a:latin typeface="+mn-lt"/>
+                <a:ea typeface="+mn-ea"/>
+                <a:cs typeface="+mn-cs"/>
+              </a:defRPr>
+            </a:lvl8pPr>
+            <a:lvl9pPr marL="3886200" indent="-228600" algn="l" defTabSz="914400" rtl="0" eaLnBrk="1" latinLnBrk="0" hangingPunct="1">
+              <a:lnSpc>
+                <a:spcPct val="90000"/>
+              </a:lnSpc>
+              <a:spcBef>
+                <a:spcPts val="500"/>
+              </a:spcBef>
+              <a:buFont typeface="Arial" panose="020B0604020202020204" pitchFamily="34" charset="0"/>
+              <a:buChar char="•"/>
+              <a:defRPr sz="1800" kern="1200">
+                <a:solidFill>
+                  <a:schemeClr val="tx1"/>
+                </a:solidFill>
+                <a:latin typeface="+mn-lt"/>
+                <a:ea typeface="+mn-ea"/>
+                <a:cs typeface="+mn-cs"/>
+              </a:defRPr>
+            </a:lvl9pPr>
+          </a:lstStyle>
+          <a:p>
+            <a:endParaRPr lang="es-ES" sz="3600" dirty="0">
+              <a:solidFill>
+                <a:srgbClr val="4D4D4D"/>
+              </a:solidFill>
+              <a:latin typeface="Work Sans" panose="00000500000000000000" pitchFamily="50" charset="0"/>
+            </a:endParaRPr>
+          </a:p>
+        </p:txBody>
+      </p:sp>
+      <p:pic>
+        <p:nvPicPr>
+          <p:cNvPr id="5" name="Picture 2">
+            <a:extLst>
+              <a:ext uri="{FF2B5EF4-FFF2-40B4-BE49-F238E27FC236}">
+                <a16:creationId xmlns:a16="http://schemas.microsoft.com/office/drawing/2014/main" id="{B3F8FD20-ADB7-1DB3-8FB0-F18F7F9A6EE1}"/>
+              </a:ext>
+            </a:extLst>
+          </p:cNvPr>
+          <p:cNvPicPr>
+            <a:picLocks noChangeAspect="1" noChangeArrowheads="1"/>
+          </p:cNvPicPr>
+          <p:nvPr/>
+        </p:nvPicPr>
+        <p:blipFill>
+          <a:blip r:embed="rId2">
+            <a:extLst>
+              <a:ext uri="{28A0092B-C50C-407E-A947-70E740481C1C}">
+                <a14:useLocalDpi xmlns:a14="http://schemas.microsoft.com/office/drawing/2010/main" val="0"/>
+              </a:ext>
+            </a:extLst>
+          </a:blip>
+          <a:srcRect/>
+          <a:stretch>
+            <a:fillRect/>
+          </a:stretch>
+        </p:blipFill>
+        <p:spPr bwMode="auto">
+          <a:xfrm>
+            <a:off x="6350" y="0"/>
+            <a:ext cx="12180888" cy="6560675"/>
+          </a:xfrm>
+          <a:prstGeom prst="rect">
+            <a:avLst/>
+          </a:prstGeom>
+          <a:noFill/>
+          <a:extLst>
+            <a:ext uri="{909E8E84-426E-40DD-AFC4-6F175D3DCCD1}">
+              <a14:hiddenFill xmlns:a14="http://schemas.microsoft.com/office/drawing/2010/main">
+                <a:solidFill>
+                  <a:srgbClr val="FFFFFF"/>
+                </a:solidFill>
+              </a14:hiddenFill>
+            </a:ext>
+          </a:extLst>
+        </p:spPr>
+      </p:pic>
+    </p:spTree>
+    <p:extLst>
+      <p:ext uri="{BB962C8B-B14F-4D97-AF65-F5344CB8AC3E}">
+        <p14:creationId xmlns:p14="http://schemas.microsoft.com/office/powerpoint/2010/main" val="744225582"/>
+      </p:ext>
+    </p:extLst>
+  </p:cSld>
+  <p:clrMapOvr>
+    <a:masterClrMapping/>
+  </p:clrMapOvr>
+  <p:transition>
+    <p:fade/>
+  </p:transition>
+</p:sld>
+</file>
+
+<file path=ppt/slides/slide35.xml><?xml version="1.0" encoding="utf-8"?>
+<p:sld xmlns:a="http://schemas.openxmlformats.org/drawingml/2006/main" xmlns:r="http://schemas.openxmlformats.org/officeDocument/2006/relationships" xmlns:p="http://schemas.openxmlformats.org/presentationml/2006/main">
+  <p:cSld>
+    <p:spTree>
+      <p:nvGrpSpPr>
+        <p:cNvPr id="1" name="">
+          <a:extLst>
+            <a:ext uri="{FF2B5EF4-FFF2-40B4-BE49-F238E27FC236}">
+              <a16:creationId xmlns:a16="http://schemas.microsoft.com/office/drawing/2014/main" id="{2C128C73-1EE0-86F3-31DE-1785E2FA6B74}"/>
+            </a:ext>
+          </a:extLst>
+        </p:cNvPr>
+        <p:cNvGrpSpPr/>
+        <p:nvPr/>
+      </p:nvGrpSpPr>
+      <p:grpSpPr>
+        <a:xfrm>
+          <a:off x="0" y="0"/>
+          <a:ext cx="0" cy="0"/>
+          <a:chOff x="0" y="0"/>
+          <a:chExt cx="0" cy="0"/>
+        </a:xfrm>
+      </p:grpSpPr>
+      <p:sp>
+        <p:nvSpPr>
+          <p:cNvPr id="2" name="Título 1">
+            <a:extLst>
+              <a:ext uri="{FF2B5EF4-FFF2-40B4-BE49-F238E27FC236}">
+                <a16:creationId xmlns:a16="http://schemas.microsoft.com/office/drawing/2014/main" id="{4CDA20FD-A160-4BBB-7BFC-5AF721E274E2}"/>
+              </a:ext>
+            </a:extLst>
+          </p:cNvPr>
+          <p:cNvSpPr>
+            <a:spLocks noGrp="1"/>
+          </p:cNvSpPr>
+          <p:nvPr>
+            <p:ph type="title"/>
+          </p:nvPr>
+        </p:nvSpPr>
+        <p:spPr>
+          <a:xfrm>
+            <a:off x="392965" y="752284"/>
+            <a:ext cx="9121149" cy="590931"/>
+          </a:xfrm>
+        </p:spPr>
+        <p:txBody>
+          <a:bodyPr/>
+          <a:lstStyle/>
+          <a:p>
+            <a:r>
+              <a:rPr lang="es-ES" b="1" dirty="0"/>
+              <a:t>Retos</a:t>
+            </a:r>
+            <a:endParaRPr lang="es-CO" b="1" dirty="0"/>
+          </a:p>
+        </p:txBody>
+      </p:sp>
+      <p:sp>
+        <p:nvSpPr>
+          <p:cNvPr id="3" name="Marcador de número de diapositiva 2">
+            <a:extLst>
+              <a:ext uri="{FF2B5EF4-FFF2-40B4-BE49-F238E27FC236}">
+                <a16:creationId xmlns:a16="http://schemas.microsoft.com/office/drawing/2014/main" id="{F4CC833F-2560-8BD6-C358-E3DE421D272B}"/>
+              </a:ext>
+            </a:extLst>
+          </p:cNvPr>
+          <p:cNvSpPr>
+            <a:spLocks noGrp="1"/>
+          </p:cNvSpPr>
+          <p:nvPr>
+            <p:ph type="sldNum" sz="quarter" idx="10"/>
+          </p:nvPr>
+        </p:nvSpPr>
+        <p:spPr/>
+        <p:txBody>
+          <a:bodyPr/>
+          <a:lstStyle/>
+          <a:p>
+            <a:fld id="{B560BBA4-C6AF-C845-8405-0D878B5989B4}" type="slidenum">
+              <a:rPr lang="es-CO" smtClean="0"/>
+              <a:pPr/>
+              <a:t>35</a:t>
+            </a:fld>
+            <a:endParaRPr lang="es-CO"/>
+          </a:p>
+        </p:txBody>
+      </p:sp>
+      <p:sp>
+        <p:nvSpPr>
+          <p:cNvPr id="4" name="Marcador de pie de página 3">
+            <a:extLst>
+              <a:ext uri="{FF2B5EF4-FFF2-40B4-BE49-F238E27FC236}">
+                <a16:creationId xmlns:a16="http://schemas.microsoft.com/office/drawing/2014/main" id="{73B63AEC-44AD-A62A-FB08-7F77618E90AD}"/>
+              </a:ext>
+            </a:extLst>
+          </p:cNvPr>
+          <p:cNvSpPr>
+            <a:spLocks noGrp="1"/>
+          </p:cNvSpPr>
+          <p:nvPr>
+            <p:ph type="ftr" sz="quarter" idx="11"/>
+          </p:nvPr>
+        </p:nvSpPr>
+        <p:spPr/>
+        <p:txBody>
+          <a:bodyPr/>
+          <a:lstStyle/>
+          <a:p>
+            <a:r>
+              <a:rPr lang="es-CO"/>
+              <a:t>© TODOS LOS DERECHOS RESERVADOS POR FUNDACIÓN UNIVERSITARIA COMPENSAR</a:t>
+            </a:r>
+          </a:p>
+        </p:txBody>
+      </p:sp>
+      <p:sp>
+        <p:nvSpPr>
+          <p:cNvPr id="6" name="Marcador de contenido 1">
+            <a:extLst>
+              <a:ext uri="{FF2B5EF4-FFF2-40B4-BE49-F238E27FC236}">
+                <a16:creationId xmlns:a16="http://schemas.microsoft.com/office/drawing/2014/main" id="{0BFB2CE1-58A1-7C1C-2164-25267150E2EE}"/>
+              </a:ext>
+            </a:extLst>
+          </p:cNvPr>
+          <p:cNvSpPr txBox="1">
+            <a:spLocks/>
+          </p:cNvSpPr>
+          <p:nvPr/>
+        </p:nvSpPr>
+        <p:spPr>
+          <a:xfrm>
+            <a:off x="392965" y="1590413"/>
+            <a:ext cx="10303813" cy="4326013"/>
+          </a:xfrm>
+          <a:prstGeom prst="rect">
+            <a:avLst/>
+          </a:prstGeom>
+        </p:spPr>
+        <p:txBody>
+          <a:bodyPr>
+            <a:normAutofit/>
+          </a:bodyPr>
+          <a:lstStyle>
+            <a:lvl1pPr marL="0" indent="0" algn="l" defTabSz="914400" rtl="0" eaLnBrk="1" latinLnBrk="0" hangingPunct="1">
+              <a:lnSpc>
+                <a:spcPts val="2080"/>
+              </a:lnSpc>
+              <a:spcBef>
+                <a:spcPts val="1000"/>
+              </a:spcBef>
+              <a:buClr>
+                <a:schemeClr val="tx2"/>
+              </a:buClr>
+              <a:buFont typeface="Arial" panose="020B0604020202020204" pitchFamily="34" charset="0"/>
+              <a:buNone/>
+              <a:defRPr sz="1600" kern="1200">
+                <a:solidFill>
+                  <a:schemeClr val="tx1"/>
+                </a:solidFill>
+                <a:latin typeface="+mj-lt"/>
+                <a:ea typeface="+mn-ea"/>
+                <a:cs typeface="+mn-cs"/>
+              </a:defRPr>
+            </a:lvl1pPr>
+            <a:lvl2pPr marL="685800" indent="-228600" algn="l" defTabSz="914400" rtl="0" eaLnBrk="1" latinLnBrk="0" hangingPunct="1">
+              <a:lnSpc>
+                <a:spcPct val="90000"/>
+              </a:lnSpc>
+              <a:spcBef>
+                <a:spcPts val="500"/>
+              </a:spcBef>
+              <a:buFont typeface="Arial" panose="020B0604020202020204" pitchFamily="34" charset="0"/>
+              <a:buChar char="•"/>
+              <a:defRPr sz="2400" kern="1200">
+                <a:solidFill>
+                  <a:schemeClr val="tx1"/>
+                </a:solidFill>
+                <a:latin typeface="+mn-lt"/>
+                <a:ea typeface="+mn-ea"/>
+                <a:cs typeface="+mn-cs"/>
+              </a:defRPr>
+            </a:lvl2pPr>
+            <a:lvl3pPr marL="1143000" indent="-228600" algn="l" defTabSz="914400" rtl="0" eaLnBrk="1" latinLnBrk="0" hangingPunct="1">
+              <a:lnSpc>
+                <a:spcPct val="90000"/>
+              </a:lnSpc>
+              <a:spcBef>
+                <a:spcPts val="500"/>
+              </a:spcBef>
+              <a:buFont typeface="Arial" panose="020B0604020202020204" pitchFamily="34" charset="0"/>
+              <a:buChar char="•"/>
+              <a:defRPr sz="2000" kern="1200">
+                <a:solidFill>
+                  <a:schemeClr val="tx1"/>
+                </a:solidFill>
+                <a:latin typeface="+mn-lt"/>
+                <a:ea typeface="+mn-ea"/>
+                <a:cs typeface="+mn-cs"/>
+              </a:defRPr>
+            </a:lvl3pPr>
+            <a:lvl4pPr marL="1600200" indent="-228600" algn="l" defTabSz="914400" rtl="0" eaLnBrk="1" latinLnBrk="0" hangingPunct="1">
+              <a:lnSpc>
+                <a:spcPct val="90000"/>
+              </a:lnSpc>
+              <a:spcBef>
+                <a:spcPts val="500"/>
+              </a:spcBef>
+              <a:buFont typeface="Arial" panose="020B0604020202020204" pitchFamily="34" charset="0"/>
+              <a:buChar char="•"/>
+              <a:defRPr sz="1800" kern="1200">
+                <a:solidFill>
+                  <a:schemeClr val="tx1"/>
+                </a:solidFill>
+                <a:latin typeface="+mn-lt"/>
+                <a:ea typeface="+mn-ea"/>
+                <a:cs typeface="+mn-cs"/>
+              </a:defRPr>
+            </a:lvl4pPr>
+            <a:lvl5pPr marL="2057400" indent="-228600" algn="l" defTabSz="914400" rtl="0" eaLnBrk="1" latinLnBrk="0" hangingPunct="1">
+              <a:lnSpc>
+                <a:spcPct val="90000"/>
+              </a:lnSpc>
+              <a:spcBef>
+                <a:spcPts val="500"/>
+              </a:spcBef>
+              <a:buFont typeface="Arial" panose="020B0604020202020204" pitchFamily="34" charset="0"/>
+              <a:buChar char="•"/>
+              <a:defRPr sz="1800" kern="1200">
+                <a:solidFill>
+                  <a:schemeClr val="tx1"/>
+                </a:solidFill>
+                <a:latin typeface="+mn-lt"/>
+                <a:ea typeface="+mn-ea"/>
+                <a:cs typeface="+mn-cs"/>
+              </a:defRPr>
+            </a:lvl5pPr>
+            <a:lvl6pPr marL="2514600" indent="-228600" algn="l" defTabSz="914400" rtl="0" eaLnBrk="1" latinLnBrk="0" hangingPunct="1">
+              <a:lnSpc>
+                <a:spcPct val="90000"/>
+              </a:lnSpc>
+              <a:spcBef>
+                <a:spcPts val="500"/>
+              </a:spcBef>
+              <a:buFont typeface="Arial" panose="020B0604020202020204" pitchFamily="34" charset="0"/>
+              <a:buChar char="•"/>
+              <a:defRPr sz="1800" kern="1200">
+                <a:solidFill>
+                  <a:schemeClr val="tx1"/>
+                </a:solidFill>
+                <a:latin typeface="+mn-lt"/>
+                <a:ea typeface="+mn-ea"/>
+                <a:cs typeface="+mn-cs"/>
+              </a:defRPr>
+            </a:lvl6pPr>
+            <a:lvl7pPr marL="2971800" indent="-228600" algn="l" defTabSz="914400" rtl="0" eaLnBrk="1" latinLnBrk="0" hangingPunct="1">
+              <a:lnSpc>
+                <a:spcPct val="90000"/>
+              </a:lnSpc>
+              <a:spcBef>
+                <a:spcPts val="500"/>
+              </a:spcBef>
+              <a:buFont typeface="Arial" panose="020B0604020202020204" pitchFamily="34" charset="0"/>
+              <a:buChar char="•"/>
+              <a:defRPr sz="1800" kern="1200">
+                <a:solidFill>
+                  <a:schemeClr val="tx1"/>
+                </a:solidFill>
+                <a:latin typeface="+mn-lt"/>
+                <a:ea typeface="+mn-ea"/>
+                <a:cs typeface="+mn-cs"/>
+              </a:defRPr>
+            </a:lvl7pPr>
+            <a:lvl8pPr marL="3429000" indent="-228600" algn="l" defTabSz="914400" rtl="0" eaLnBrk="1" latinLnBrk="0" hangingPunct="1">
+              <a:lnSpc>
+                <a:spcPct val="90000"/>
+              </a:lnSpc>
+              <a:spcBef>
+                <a:spcPts val="500"/>
+              </a:spcBef>
+              <a:buFont typeface="Arial" panose="020B0604020202020204" pitchFamily="34" charset="0"/>
+              <a:buChar char="•"/>
+              <a:defRPr sz="1800" kern="1200">
+                <a:solidFill>
+                  <a:schemeClr val="tx1"/>
+                </a:solidFill>
+                <a:latin typeface="+mn-lt"/>
+                <a:ea typeface="+mn-ea"/>
+                <a:cs typeface="+mn-cs"/>
+              </a:defRPr>
+            </a:lvl8pPr>
+            <a:lvl9pPr marL="3886200" indent="-228600" algn="l" defTabSz="914400" rtl="0" eaLnBrk="1" latinLnBrk="0" hangingPunct="1">
+              <a:lnSpc>
+                <a:spcPct val="90000"/>
+              </a:lnSpc>
+              <a:spcBef>
+                <a:spcPts val="500"/>
+              </a:spcBef>
+              <a:buFont typeface="Arial" panose="020B0604020202020204" pitchFamily="34" charset="0"/>
+              <a:buChar char="•"/>
+              <a:defRPr sz="1800" kern="1200">
+                <a:solidFill>
+                  <a:schemeClr val="tx1"/>
+                </a:solidFill>
+                <a:latin typeface="+mn-lt"/>
+                <a:ea typeface="+mn-ea"/>
+                <a:cs typeface="+mn-cs"/>
+              </a:defRPr>
+            </a:lvl9pPr>
+          </a:lstStyle>
+          <a:p>
+            <a:pPr marL="457200" indent="-457200">
+              <a:buFont typeface="Arial" panose="020B0604020202020204" pitchFamily="34" charset="0"/>
+              <a:buChar char="•"/>
+            </a:pPr>
+            <a:r>
+              <a:rPr lang="es-ES" sz="3300" dirty="0">
+                <a:latin typeface="+mn-lt"/>
+              </a:rPr>
+              <a:t>Silos de Datos: Los datos pueden estar almacenados en sistemas o departamentos separados, creando silos de datos que dificultan la integración y el acceso a una vista completa de los datos.</a:t>
+            </a:r>
+          </a:p>
+          <a:p>
+            <a:pPr marL="457200" indent="-457200">
+              <a:buFont typeface="Arial" panose="020B0604020202020204" pitchFamily="34" charset="0"/>
+              <a:buChar char="•"/>
+            </a:pPr>
+            <a:r>
+              <a:rPr lang="es-ES" sz="3300" dirty="0">
+                <a:latin typeface="+mn-lt"/>
+              </a:rPr>
+              <a:t>Formatos de Datos Inconsistentes: Los datos pueden estar almacenados en diferentes formatos en varios sistemas y bases de datos, lo que dificulta su integración y análisis.</a:t>
+            </a:r>
+          </a:p>
+          <a:p>
+            <a:pPr marL="457200" indent="-457200">
+              <a:buFont typeface="Arial" panose="020B0604020202020204" pitchFamily="34" charset="0"/>
+              <a:buChar char="•"/>
+            </a:pPr>
+            <a:r>
+              <a:rPr lang="es-ES" sz="3300" dirty="0">
+                <a:latin typeface="+mn-lt"/>
+              </a:rPr>
+              <a:t>Compatibilidad de Sistemas: Integrar datos de diferentes sistemas heredados o plataformas de terceros puede requerir un esfuerzo y una inversión significativos para establecer la compatibilidad y lograr un flujo de datos fluido.</a:t>
+            </a:r>
+          </a:p>
+          <a:p>
+            <a:endParaRPr lang="es-ES" sz="3600" dirty="0">
+              <a:solidFill>
+                <a:srgbClr val="4D4D4D"/>
+              </a:solidFill>
+              <a:latin typeface="Work Sans" panose="00000500000000000000" pitchFamily="50" charset="0"/>
+            </a:endParaRPr>
+          </a:p>
+        </p:txBody>
+      </p:sp>
+    </p:spTree>
+    <p:extLst>
+      <p:ext uri="{BB962C8B-B14F-4D97-AF65-F5344CB8AC3E}">
+        <p14:creationId xmlns:p14="http://schemas.microsoft.com/office/powerpoint/2010/main" val="3740882621"/>
+      </p:ext>
+    </p:extLst>
+  </p:cSld>
+  <p:clrMapOvr>
+    <a:masterClrMapping/>
+  </p:clrMapOvr>
+  <p:transition>
+    <p:fade/>
+  </p:transition>
+</p:sld>
+</file>
+
+<file path=ppt/slides/slide36.xml><?xml version="1.0" encoding="utf-8"?>
+<p:sld xmlns:a="http://schemas.openxmlformats.org/drawingml/2006/main" xmlns:r="http://schemas.openxmlformats.org/officeDocument/2006/relationships" xmlns:p="http://schemas.openxmlformats.org/presentationml/2006/main">
+  <p:cSld>
+    <p:spTree>
+      <p:nvGrpSpPr>
+        <p:cNvPr id="1" name="">
+          <a:extLst>
+            <a:ext uri="{FF2B5EF4-FFF2-40B4-BE49-F238E27FC236}">
+              <a16:creationId xmlns:a16="http://schemas.microsoft.com/office/drawing/2014/main" id="{99BB246E-135C-CD6A-A9B6-0F70ED3CA71D}"/>
+            </a:ext>
+          </a:extLst>
+        </p:cNvPr>
+        <p:cNvGrpSpPr/>
+        <p:nvPr/>
+      </p:nvGrpSpPr>
+      <p:grpSpPr>
+        <a:xfrm>
+          <a:off x="0" y="0"/>
+          <a:ext cx="0" cy="0"/>
+          <a:chOff x="0" y="0"/>
+          <a:chExt cx="0" cy="0"/>
+        </a:xfrm>
+      </p:grpSpPr>
+      <p:sp>
+        <p:nvSpPr>
+          <p:cNvPr id="2" name="Título 1">
+            <a:extLst>
+              <a:ext uri="{FF2B5EF4-FFF2-40B4-BE49-F238E27FC236}">
+                <a16:creationId xmlns:a16="http://schemas.microsoft.com/office/drawing/2014/main" id="{6CDB5A9A-89AB-35C7-E6A8-CE52292AAFAB}"/>
+              </a:ext>
+            </a:extLst>
+          </p:cNvPr>
+          <p:cNvSpPr>
+            <a:spLocks noGrp="1"/>
+          </p:cNvSpPr>
+          <p:nvPr>
+            <p:ph type="title"/>
+          </p:nvPr>
+        </p:nvSpPr>
+        <p:spPr>
+          <a:xfrm>
+            <a:off x="392965" y="752284"/>
+            <a:ext cx="9121149" cy="590931"/>
+          </a:xfrm>
+        </p:spPr>
+        <p:txBody>
+          <a:bodyPr/>
+          <a:lstStyle/>
+          <a:p>
+            <a:r>
+              <a:rPr lang="es-ES" b="1" dirty="0"/>
+              <a:t>Retos</a:t>
+            </a:r>
+            <a:endParaRPr lang="es-CO" b="1" dirty="0"/>
+          </a:p>
+        </p:txBody>
+      </p:sp>
+      <p:sp>
+        <p:nvSpPr>
+          <p:cNvPr id="3" name="Marcador de número de diapositiva 2">
+            <a:extLst>
+              <a:ext uri="{FF2B5EF4-FFF2-40B4-BE49-F238E27FC236}">
+                <a16:creationId xmlns:a16="http://schemas.microsoft.com/office/drawing/2014/main" id="{ACA1796B-6772-AFCA-43DA-63F00975D436}"/>
+              </a:ext>
+            </a:extLst>
+          </p:cNvPr>
+          <p:cNvSpPr>
+            <a:spLocks noGrp="1"/>
+          </p:cNvSpPr>
+          <p:nvPr>
+            <p:ph type="sldNum" sz="quarter" idx="10"/>
+          </p:nvPr>
+        </p:nvSpPr>
+        <p:spPr/>
+        <p:txBody>
+          <a:bodyPr/>
+          <a:lstStyle/>
+          <a:p>
+            <a:fld id="{B560BBA4-C6AF-C845-8405-0D878B5989B4}" type="slidenum">
+              <a:rPr lang="es-CO" smtClean="0"/>
+              <a:pPr/>
+              <a:t>36</a:t>
+            </a:fld>
+            <a:endParaRPr lang="es-CO"/>
+          </a:p>
+        </p:txBody>
+      </p:sp>
+      <p:sp>
+        <p:nvSpPr>
+          <p:cNvPr id="4" name="Marcador de pie de página 3">
+            <a:extLst>
+              <a:ext uri="{FF2B5EF4-FFF2-40B4-BE49-F238E27FC236}">
+                <a16:creationId xmlns:a16="http://schemas.microsoft.com/office/drawing/2014/main" id="{F7F36929-41B1-0584-5A39-AF8A07773BFF}"/>
+              </a:ext>
+            </a:extLst>
+          </p:cNvPr>
+          <p:cNvSpPr>
+            <a:spLocks noGrp="1"/>
+          </p:cNvSpPr>
+          <p:nvPr>
+            <p:ph type="ftr" sz="quarter" idx="11"/>
+          </p:nvPr>
+        </p:nvSpPr>
+        <p:spPr/>
+        <p:txBody>
+          <a:bodyPr/>
+          <a:lstStyle/>
+          <a:p>
+            <a:r>
+              <a:rPr lang="es-CO"/>
+              <a:t>© TODOS LOS DERECHOS RESERVADOS POR FUNDACIÓN UNIVERSITARIA COMPENSAR</a:t>
+            </a:r>
+          </a:p>
+        </p:txBody>
+      </p:sp>
+      <p:sp>
+        <p:nvSpPr>
+          <p:cNvPr id="6" name="Marcador de contenido 1">
+            <a:extLst>
+              <a:ext uri="{FF2B5EF4-FFF2-40B4-BE49-F238E27FC236}">
+                <a16:creationId xmlns:a16="http://schemas.microsoft.com/office/drawing/2014/main" id="{42A05538-36E7-5A35-36B9-C61DBE0980E0}"/>
+              </a:ext>
+            </a:extLst>
+          </p:cNvPr>
+          <p:cNvSpPr txBox="1">
+            <a:spLocks/>
+          </p:cNvSpPr>
+          <p:nvPr/>
+        </p:nvSpPr>
+        <p:spPr>
+          <a:xfrm>
+            <a:off x="994229" y="1850949"/>
+            <a:ext cx="10303813" cy="4326013"/>
+          </a:xfrm>
+          <a:prstGeom prst="rect">
+            <a:avLst/>
+          </a:prstGeom>
+        </p:spPr>
+        <p:txBody>
+          <a:bodyPr>
+            <a:normAutofit fontScale="92500"/>
+          </a:bodyPr>
+          <a:lstStyle>
+            <a:lvl1pPr marL="0" indent="0" algn="l" defTabSz="914400" rtl="0" eaLnBrk="1" latinLnBrk="0" hangingPunct="1">
+              <a:lnSpc>
+                <a:spcPts val="2080"/>
+              </a:lnSpc>
+              <a:spcBef>
+                <a:spcPts val="1000"/>
+              </a:spcBef>
+              <a:buClr>
+                <a:schemeClr val="tx2"/>
+              </a:buClr>
+              <a:buFont typeface="Arial" panose="020B0604020202020204" pitchFamily="34" charset="0"/>
+              <a:buNone/>
+              <a:defRPr sz="1600" kern="1200">
+                <a:solidFill>
+                  <a:schemeClr val="tx1"/>
+                </a:solidFill>
+                <a:latin typeface="+mj-lt"/>
+                <a:ea typeface="+mn-ea"/>
+                <a:cs typeface="+mn-cs"/>
+              </a:defRPr>
+            </a:lvl1pPr>
+            <a:lvl2pPr marL="685800" indent="-228600" algn="l" defTabSz="914400" rtl="0" eaLnBrk="1" latinLnBrk="0" hangingPunct="1">
+              <a:lnSpc>
+                <a:spcPct val="90000"/>
+              </a:lnSpc>
+              <a:spcBef>
+                <a:spcPts val="500"/>
+              </a:spcBef>
+              <a:buFont typeface="Arial" panose="020B0604020202020204" pitchFamily="34" charset="0"/>
+              <a:buChar char="•"/>
+              <a:defRPr sz="2400" kern="1200">
+                <a:solidFill>
+                  <a:schemeClr val="tx1"/>
+                </a:solidFill>
+                <a:latin typeface="+mn-lt"/>
+                <a:ea typeface="+mn-ea"/>
+                <a:cs typeface="+mn-cs"/>
+              </a:defRPr>
+            </a:lvl2pPr>
+            <a:lvl3pPr marL="1143000" indent="-228600" algn="l" defTabSz="914400" rtl="0" eaLnBrk="1" latinLnBrk="0" hangingPunct="1">
+              <a:lnSpc>
+                <a:spcPct val="90000"/>
+              </a:lnSpc>
+              <a:spcBef>
+                <a:spcPts val="500"/>
+              </a:spcBef>
+              <a:buFont typeface="Arial" panose="020B0604020202020204" pitchFamily="34" charset="0"/>
+              <a:buChar char="•"/>
+              <a:defRPr sz="2000" kern="1200">
+                <a:solidFill>
+                  <a:schemeClr val="tx1"/>
+                </a:solidFill>
+                <a:latin typeface="+mn-lt"/>
+                <a:ea typeface="+mn-ea"/>
+                <a:cs typeface="+mn-cs"/>
+              </a:defRPr>
+            </a:lvl3pPr>
+            <a:lvl4pPr marL="1600200" indent="-228600" algn="l" defTabSz="914400" rtl="0" eaLnBrk="1" latinLnBrk="0" hangingPunct="1">
+              <a:lnSpc>
+                <a:spcPct val="90000"/>
+              </a:lnSpc>
+              <a:spcBef>
+                <a:spcPts val="500"/>
+              </a:spcBef>
+              <a:buFont typeface="Arial" panose="020B0604020202020204" pitchFamily="34" charset="0"/>
+              <a:buChar char="•"/>
+              <a:defRPr sz="1800" kern="1200">
+                <a:solidFill>
+                  <a:schemeClr val="tx1"/>
+                </a:solidFill>
+                <a:latin typeface="+mn-lt"/>
+                <a:ea typeface="+mn-ea"/>
+                <a:cs typeface="+mn-cs"/>
+              </a:defRPr>
+            </a:lvl4pPr>
+            <a:lvl5pPr marL="2057400" indent="-228600" algn="l" defTabSz="914400" rtl="0" eaLnBrk="1" latinLnBrk="0" hangingPunct="1">
+              <a:lnSpc>
+                <a:spcPct val="90000"/>
+              </a:lnSpc>
+              <a:spcBef>
+                <a:spcPts val="500"/>
+              </a:spcBef>
+              <a:buFont typeface="Arial" panose="020B0604020202020204" pitchFamily="34" charset="0"/>
+              <a:buChar char="•"/>
+              <a:defRPr sz="1800" kern="1200">
+                <a:solidFill>
+                  <a:schemeClr val="tx1"/>
+                </a:solidFill>
+                <a:latin typeface="+mn-lt"/>
+                <a:ea typeface="+mn-ea"/>
+                <a:cs typeface="+mn-cs"/>
+              </a:defRPr>
+            </a:lvl5pPr>
+            <a:lvl6pPr marL="2514600" indent="-228600" algn="l" defTabSz="914400" rtl="0" eaLnBrk="1" latinLnBrk="0" hangingPunct="1">
+              <a:lnSpc>
+                <a:spcPct val="90000"/>
+              </a:lnSpc>
+              <a:spcBef>
+                <a:spcPts val="500"/>
+              </a:spcBef>
+              <a:buFont typeface="Arial" panose="020B0604020202020204" pitchFamily="34" charset="0"/>
+              <a:buChar char="•"/>
+              <a:defRPr sz="1800" kern="1200">
+                <a:solidFill>
+                  <a:schemeClr val="tx1"/>
+                </a:solidFill>
+                <a:latin typeface="+mn-lt"/>
+                <a:ea typeface="+mn-ea"/>
+                <a:cs typeface="+mn-cs"/>
+              </a:defRPr>
+            </a:lvl6pPr>
+            <a:lvl7pPr marL="2971800" indent="-228600" algn="l" defTabSz="914400" rtl="0" eaLnBrk="1" latinLnBrk="0" hangingPunct="1">
+              <a:lnSpc>
+                <a:spcPct val="90000"/>
+              </a:lnSpc>
+              <a:spcBef>
+                <a:spcPts val="500"/>
+              </a:spcBef>
+              <a:buFont typeface="Arial" panose="020B0604020202020204" pitchFamily="34" charset="0"/>
+              <a:buChar char="•"/>
+              <a:defRPr sz="1800" kern="1200">
+                <a:solidFill>
+                  <a:schemeClr val="tx1"/>
+                </a:solidFill>
+                <a:latin typeface="+mn-lt"/>
+                <a:ea typeface="+mn-ea"/>
+                <a:cs typeface="+mn-cs"/>
+              </a:defRPr>
+            </a:lvl7pPr>
+            <a:lvl8pPr marL="3429000" indent="-228600" algn="l" defTabSz="914400" rtl="0" eaLnBrk="1" latinLnBrk="0" hangingPunct="1">
+              <a:lnSpc>
+                <a:spcPct val="90000"/>
+              </a:lnSpc>
+              <a:spcBef>
+                <a:spcPts val="500"/>
+              </a:spcBef>
+              <a:buFont typeface="Arial" panose="020B0604020202020204" pitchFamily="34" charset="0"/>
+              <a:buChar char="•"/>
+              <a:defRPr sz="1800" kern="1200">
+                <a:solidFill>
+                  <a:schemeClr val="tx1"/>
+                </a:solidFill>
+                <a:latin typeface="+mn-lt"/>
+                <a:ea typeface="+mn-ea"/>
+                <a:cs typeface="+mn-cs"/>
+              </a:defRPr>
+            </a:lvl8pPr>
+            <a:lvl9pPr marL="3886200" indent="-228600" algn="l" defTabSz="914400" rtl="0" eaLnBrk="1" latinLnBrk="0" hangingPunct="1">
+              <a:lnSpc>
+                <a:spcPct val="90000"/>
+              </a:lnSpc>
+              <a:spcBef>
+                <a:spcPts val="500"/>
+              </a:spcBef>
+              <a:buFont typeface="Arial" panose="020B0604020202020204" pitchFamily="34" charset="0"/>
+              <a:buChar char="•"/>
+              <a:defRPr sz="1800" kern="1200">
+                <a:solidFill>
+                  <a:schemeClr val="tx1"/>
+                </a:solidFill>
+                <a:latin typeface="+mn-lt"/>
+                <a:ea typeface="+mn-ea"/>
+                <a:cs typeface="+mn-cs"/>
+              </a:defRPr>
+            </a:lvl9pPr>
+          </a:lstStyle>
+          <a:p>
+            <a:pPr algn="just">
+              <a:lnSpc>
+                <a:spcPct val="100000"/>
+              </a:lnSpc>
+            </a:pPr>
+            <a:r>
+              <a:rPr lang="es-ES" sz="3600" dirty="0">
+                <a:latin typeface="+mn-lt"/>
+              </a:rPr>
+              <a:t>Mapeo y Transformación de Datos: Mapear y transformar datos para que se ajusten a la estructura y requisitos del sistema de destino puede ser complejo, especialmente al tratar con fuentes de datos heterogéneas.</a:t>
+            </a:r>
+          </a:p>
+          <a:p>
+            <a:pPr algn="just">
+              <a:lnSpc>
+                <a:spcPct val="100000"/>
+              </a:lnSpc>
+            </a:pPr>
+            <a:r>
+              <a:rPr lang="es-ES" sz="3600" dirty="0">
+                <a:latin typeface="+mn-lt"/>
+              </a:rPr>
+              <a:t>Integración de Datos en Tiempo Real: Integrar flujos de datos en tiempo real con datos existentes puede ser desafiante, ya que requiere monitoreo continuo, sincronización y procesamiento oportuno.</a:t>
+            </a:r>
+          </a:p>
+          <a:p>
+            <a:pPr marL="457200" indent="-457200">
+              <a:buFont typeface="Arial" panose="020B0604020202020204" pitchFamily="34" charset="0"/>
+              <a:buChar char="•"/>
+            </a:pPr>
+            <a:endParaRPr lang="es-ES" sz="3600" dirty="0">
+              <a:solidFill>
+                <a:srgbClr val="4D4D4D"/>
+              </a:solidFill>
+              <a:latin typeface="Work Sans" panose="00000500000000000000" pitchFamily="50" charset="0"/>
+            </a:endParaRPr>
+          </a:p>
+          <a:p>
+            <a:endParaRPr lang="es-ES" sz="3600" dirty="0">
+              <a:solidFill>
+                <a:srgbClr val="4D4D4D"/>
+              </a:solidFill>
+              <a:latin typeface="Work Sans" panose="00000500000000000000" pitchFamily="50" charset="0"/>
+            </a:endParaRPr>
+          </a:p>
+        </p:txBody>
+      </p:sp>
+    </p:spTree>
+    <p:extLst>
+      <p:ext uri="{BB962C8B-B14F-4D97-AF65-F5344CB8AC3E}">
+        <p14:creationId xmlns:p14="http://schemas.microsoft.com/office/powerpoint/2010/main" val="2202874057"/>
+      </p:ext>
+    </p:extLst>
+  </p:cSld>
+  <p:clrMapOvr>
+    <a:masterClrMapping/>
+  </p:clrMapOvr>
+  <p:transition>
+    <p:fade/>
+  </p:transition>
+</p:sld>
+</file>
+
+<file path=ppt/slides/slide37.xml><?xml version="1.0" encoding="utf-8"?>
+<p:sld xmlns:a="http://schemas.openxmlformats.org/drawingml/2006/main" xmlns:r="http://schemas.openxmlformats.org/officeDocument/2006/relationships" xmlns:p="http://schemas.openxmlformats.org/presentationml/2006/main">
+  <p:cSld>
+    <p:spTree>
+      <p:nvGrpSpPr>
         <p:cNvPr id="1" name=""/>
         <p:cNvGrpSpPr/>
         <p:nvPr/>
@@ -15095,40 +17993,897 @@
           <a:chExt cx="0" cy="0"/>
         </a:xfrm>
       </p:grpSpPr>
+      <p:sp>
+        <p:nvSpPr>
+          <p:cNvPr id="2" name="Marcador de número de diapositiva 1">
+            <a:extLst>
+              <a:ext uri="{FF2B5EF4-FFF2-40B4-BE49-F238E27FC236}">
+                <a16:creationId xmlns:a16="http://schemas.microsoft.com/office/drawing/2014/main" id="{8B65E34A-0DCF-C828-D578-053C9A1D2BCE}"/>
+              </a:ext>
+            </a:extLst>
+          </p:cNvPr>
+          <p:cNvSpPr>
+            <a:spLocks noGrp="1"/>
+          </p:cNvSpPr>
+          <p:nvPr>
+            <p:ph type="sldNum" sz="quarter" idx="11"/>
+          </p:nvPr>
+        </p:nvSpPr>
+        <p:spPr/>
+        <p:txBody>
+          <a:bodyPr/>
+          <a:lstStyle/>
+          <a:p>
+            <a:fld id="{B560BBA4-C6AF-C845-8405-0D878B5989B4}" type="slidenum">
+              <a:rPr lang="es-CO" smtClean="0"/>
+              <a:pPr/>
+              <a:t>37</a:t>
+            </a:fld>
+            <a:endParaRPr lang="es-CO"/>
+          </a:p>
+        </p:txBody>
+      </p:sp>
       <p:pic>
         <p:nvPicPr>
-          <p:cNvPr id="3" name="Imagen 2">
-            <a:extLst>
-              <a:ext uri="{FF2B5EF4-FFF2-40B4-BE49-F238E27FC236}">
-                <a16:creationId xmlns:a16="http://schemas.microsoft.com/office/drawing/2014/main" id="{B9252907-B045-4147-BA12-7C2593271AC7}"/>
+          <p:cNvPr id="3" name="Picture 2" descr="NGRX: Is it worth it?. If you ever developed any application… | by Peter  Osifeso | Web Factory LLC | Medium">
+            <a:extLst>
+              <a:ext uri="{FF2B5EF4-FFF2-40B4-BE49-F238E27FC236}">
+                <a16:creationId xmlns:a16="http://schemas.microsoft.com/office/drawing/2014/main" id="{7F86CC97-2437-9667-83CC-2B590655DDFC}"/>
               </a:ext>
             </a:extLst>
           </p:cNvPr>
           <p:cNvPicPr>
-            <a:picLocks noChangeAspect="1"/>
+            <a:picLocks noChangeAspect="1" noChangeArrowheads="1"/>
           </p:cNvPicPr>
           <p:nvPr/>
         </p:nvPicPr>
         <p:blipFill>
-          <a:blip r:embed="rId2"/>
+          <a:blip r:embed="rId2">
+            <a:extLst>
+              <a:ext uri="{28A0092B-C50C-407E-A947-70E740481C1C}">
+                <a14:useLocalDpi xmlns:a14="http://schemas.microsoft.com/office/drawing/2010/main" val="0"/>
+              </a:ext>
+            </a:extLst>
+          </a:blip>
+          <a:srcRect/>
           <a:stretch>
             <a:fillRect/>
           </a:stretch>
         </p:blipFill>
+        <p:spPr bwMode="auto">
+          <a:xfrm>
+            <a:off x="0" y="0"/>
+            <a:ext cx="12192000" cy="6858000"/>
+          </a:xfrm>
+          <a:prstGeom prst="rect">
+            <a:avLst/>
+          </a:prstGeom>
+          <a:noFill/>
+          <a:extLst>
+            <a:ext uri="{909E8E84-426E-40DD-AFC4-6F175D3DCCD1}">
+              <a14:hiddenFill xmlns:a14="http://schemas.microsoft.com/office/drawing/2010/main">
+                <a:solidFill>
+                  <a:srgbClr val="FFFFFF"/>
+                </a:solidFill>
+              </a14:hiddenFill>
+            </a:ext>
+          </a:extLst>
+        </p:spPr>
+      </p:pic>
+    </p:spTree>
+    <p:extLst>
+      <p:ext uri="{BB962C8B-B14F-4D97-AF65-F5344CB8AC3E}">
+        <p14:creationId xmlns:p14="http://schemas.microsoft.com/office/powerpoint/2010/main" val="1514929227"/>
+      </p:ext>
+    </p:extLst>
+  </p:cSld>
+  <p:clrMapOvr>
+    <a:masterClrMapping/>
+  </p:clrMapOvr>
+  <p:transition>
+    <p:fade/>
+  </p:transition>
+</p:sld>
+</file>
+
+<file path=ppt/slides/slide38.xml><?xml version="1.0" encoding="utf-8"?>
+<p:sld xmlns:a="http://schemas.openxmlformats.org/drawingml/2006/main" xmlns:r="http://schemas.openxmlformats.org/officeDocument/2006/relationships" xmlns:p="http://schemas.openxmlformats.org/presentationml/2006/main">
+  <p:cSld>
+    <p:spTree>
+      <p:nvGrpSpPr>
+        <p:cNvPr id="1" name="">
+          <a:extLst>
+            <a:ext uri="{FF2B5EF4-FFF2-40B4-BE49-F238E27FC236}">
+              <a16:creationId xmlns:a16="http://schemas.microsoft.com/office/drawing/2014/main" id="{6A65F373-3C1F-4BD9-F0E7-A6E124CBA19A}"/>
+            </a:ext>
+          </a:extLst>
+        </p:cNvPr>
+        <p:cNvGrpSpPr/>
+        <p:nvPr/>
+      </p:nvGrpSpPr>
+      <p:grpSpPr>
+        <a:xfrm>
+          <a:off x="0" y="0"/>
+          <a:ext cx="0" cy="0"/>
+          <a:chOff x="0" y="0"/>
+          <a:chExt cx="0" cy="0"/>
+        </a:xfrm>
+      </p:grpSpPr>
+      <p:sp>
+        <p:nvSpPr>
+          <p:cNvPr id="2" name="Título 1">
+            <a:extLst>
+              <a:ext uri="{FF2B5EF4-FFF2-40B4-BE49-F238E27FC236}">
+                <a16:creationId xmlns:a16="http://schemas.microsoft.com/office/drawing/2014/main" id="{801AC29D-7F88-5A10-DB1D-7D7074172EA5}"/>
+              </a:ext>
+            </a:extLst>
+          </p:cNvPr>
+          <p:cNvSpPr>
+            <a:spLocks noGrp="1"/>
+          </p:cNvSpPr>
+          <p:nvPr>
+            <p:ph type="title"/>
+          </p:nvPr>
+        </p:nvSpPr>
         <p:spPr>
           <a:xfrm>
-            <a:off x="4465759" y="1401054"/>
-            <a:ext cx="6985147" cy="4055892"/>
+            <a:off x="392965" y="752284"/>
+            <a:ext cx="9121149" cy="590931"/>
+          </a:xfrm>
+        </p:spPr>
+        <p:txBody>
+          <a:bodyPr/>
+          <a:lstStyle/>
+          <a:p>
+            <a:endParaRPr lang="es-CO" b="1" dirty="0"/>
+          </a:p>
+        </p:txBody>
+      </p:sp>
+      <p:sp>
+        <p:nvSpPr>
+          <p:cNvPr id="3" name="Marcador de número de diapositiva 2">
+            <a:extLst>
+              <a:ext uri="{FF2B5EF4-FFF2-40B4-BE49-F238E27FC236}">
+                <a16:creationId xmlns:a16="http://schemas.microsoft.com/office/drawing/2014/main" id="{971E98F9-0819-311C-C9B1-AB444FFD447A}"/>
+              </a:ext>
+            </a:extLst>
+          </p:cNvPr>
+          <p:cNvSpPr>
+            <a:spLocks noGrp="1"/>
+          </p:cNvSpPr>
+          <p:nvPr>
+            <p:ph type="sldNum" sz="quarter" idx="10"/>
+          </p:nvPr>
+        </p:nvSpPr>
+        <p:spPr/>
+        <p:txBody>
+          <a:bodyPr/>
+          <a:lstStyle/>
+          <a:p>
+            <a:fld id="{B560BBA4-C6AF-C845-8405-0D878B5989B4}" type="slidenum">
+              <a:rPr lang="es-CO" smtClean="0"/>
+              <a:pPr/>
+              <a:t>38</a:t>
+            </a:fld>
+            <a:endParaRPr lang="es-CO"/>
+          </a:p>
+        </p:txBody>
+      </p:sp>
+      <p:sp>
+        <p:nvSpPr>
+          <p:cNvPr id="4" name="Marcador de pie de página 3">
+            <a:extLst>
+              <a:ext uri="{FF2B5EF4-FFF2-40B4-BE49-F238E27FC236}">
+                <a16:creationId xmlns:a16="http://schemas.microsoft.com/office/drawing/2014/main" id="{DC708B9B-5263-6D90-AC22-F75CF774F5E2}"/>
+              </a:ext>
+            </a:extLst>
+          </p:cNvPr>
+          <p:cNvSpPr>
+            <a:spLocks noGrp="1"/>
+          </p:cNvSpPr>
+          <p:nvPr>
+            <p:ph type="ftr" sz="quarter" idx="11"/>
+          </p:nvPr>
+        </p:nvSpPr>
+        <p:spPr/>
+        <p:txBody>
+          <a:bodyPr/>
+          <a:lstStyle/>
+          <a:p>
+            <a:r>
+              <a:rPr lang="es-CO"/>
+              <a:t>© TODOS LOS DERECHOS RESERVADOS POR FUNDACIÓN UNIVERSITARIA COMPENSAR</a:t>
+            </a:r>
+          </a:p>
+        </p:txBody>
+      </p:sp>
+      <p:sp>
+        <p:nvSpPr>
+          <p:cNvPr id="6" name="Marcador de contenido 1">
+            <a:extLst>
+              <a:ext uri="{FF2B5EF4-FFF2-40B4-BE49-F238E27FC236}">
+                <a16:creationId xmlns:a16="http://schemas.microsoft.com/office/drawing/2014/main" id="{205A675A-5C54-7CA2-CC80-BC448B4F8605}"/>
+              </a:ext>
+            </a:extLst>
+          </p:cNvPr>
+          <p:cNvSpPr txBox="1">
+            <a:spLocks/>
+          </p:cNvSpPr>
+          <p:nvPr/>
+        </p:nvSpPr>
+        <p:spPr>
+          <a:xfrm>
+            <a:off x="994229" y="1850949"/>
+            <a:ext cx="10303813" cy="4326013"/>
           </a:xfrm>
           <a:prstGeom prst="rect">
             <a:avLst/>
           </a:prstGeom>
         </p:spPr>
-      </p:pic>
+        <p:txBody>
+          <a:bodyPr>
+            <a:normAutofit/>
+          </a:bodyPr>
+          <a:lstStyle>
+            <a:lvl1pPr marL="0" indent="0" algn="l" defTabSz="914400" rtl="0" eaLnBrk="1" latinLnBrk="0" hangingPunct="1">
+              <a:lnSpc>
+                <a:spcPts val="2080"/>
+              </a:lnSpc>
+              <a:spcBef>
+                <a:spcPts val="1000"/>
+              </a:spcBef>
+              <a:buClr>
+                <a:schemeClr val="tx2"/>
+              </a:buClr>
+              <a:buFont typeface="Arial" panose="020B0604020202020204" pitchFamily="34" charset="0"/>
+              <a:buNone/>
+              <a:defRPr sz="1600" kern="1200">
+                <a:solidFill>
+                  <a:schemeClr val="tx1"/>
+                </a:solidFill>
+                <a:latin typeface="+mj-lt"/>
+                <a:ea typeface="+mn-ea"/>
+                <a:cs typeface="+mn-cs"/>
+              </a:defRPr>
+            </a:lvl1pPr>
+            <a:lvl2pPr marL="685800" indent="-228600" algn="l" defTabSz="914400" rtl="0" eaLnBrk="1" latinLnBrk="0" hangingPunct="1">
+              <a:lnSpc>
+                <a:spcPct val="90000"/>
+              </a:lnSpc>
+              <a:spcBef>
+                <a:spcPts val="500"/>
+              </a:spcBef>
+              <a:buFont typeface="Arial" panose="020B0604020202020204" pitchFamily="34" charset="0"/>
+              <a:buChar char="•"/>
+              <a:defRPr sz="2400" kern="1200">
+                <a:solidFill>
+                  <a:schemeClr val="tx1"/>
+                </a:solidFill>
+                <a:latin typeface="+mn-lt"/>
+                <a:ea typeface="+mn-ea"/>
+                <a:cs typeface="+mn-cs"/>
+              </a:defRPr>
+            </a:lvl2pPr>
+            <a:lvl3pPr marL="1143000" indent="-228600" algn="l" defTabSz="914400" rtl="0" eaLnBrk="1" latinLnBrk="0" hangingPunct="1">
+              <a:lnSpc>
+                <a:spcPct val="90000"/>
+              </a:lnSpc>
+              <a:spcBef>
+                <a:spcPts val="500"/>
+              </a:spcBef>
+              <a:buFont typeface="Arial" panose="020B0604020202020204" pitchFamily="34" charset="0"/>
+              <a:buChar char="•"/>
+              <a:defRPr sz="2000" kern="1200">
+                <a:solidFill>
+                  <a:schemeClr val="tx1"/>
+                </a:solidFill>
+                <a:latin typeface="+mn-lt"/>
+                <a:ea typeface="+mn-ea"/>
+                <a:cs typeface="+mn-cs"/>
+              </a:defRPr>
+            </a:lvl3pPr>
+            <a:lvl4pPr marL="1600200" indent="-228600" algn="l" defTabSz="914400" rtl="0" eaLnBrk="1" latinLnBrk="0" hangingPunct="1">
+              <a:lnSpc>
+                <a:spcPct val="90000"/>
+              </a:lnSpc>
+              <a:spcBef>
+                <a:spcPts val="500"/>
+              </a:spcBef>
+              <a:buFont typeface="Arial" panose="020B0604020202020204" pitchFamily="34" charset="0"/>
+              <a:buChar char="•"/>
+              <a:defRPr sz="1800" kern="1200">
+                <a:solidFill>
+                  <a:schemeClr val="tx1"/>
+                </a:solidFill>
+                <a:latin typeface="+mn-lt"/>
+                <a:ea typeface="+mn-ea"/>
+                <a:cs typeface="+mn-cs"/>
+              </a:defRPr>
+            </a:lvl4pPr>
+            <a:lvl5pPr marL="2057400" indent="-228600" algn="l" defTabSz="914400" rtl="0" eaLnBrk="1" latinLnBrk="0" hangingPunct="1">
+              <a:lnSpc>
+                <a:spcPct val="90000"/>
+              </a:lnSpc>
+              <a:spcBef>
+                <a:spcPts val="500"/>
+              </a:spcBef>
+              <a:buFont typeface="Arial" panose="020B0604020202020204" pitchFamily="34" charset="0"/>
+              <a:buChar char="•"/>
+              <a:defRPr sz="1800" kern="1200">
+                <a:solidFill>
+                  <a:schemeClr val="tx1"/>
+                </a:solidFill>
+                <a:latin typeface="+mn-lt"/>
+                <a:ea typeface="+mn-ea"/>
+                <a:cs typeface="+mn-cs"/>
+              </a:defRPr>
+            </a:lvl5pPr>
+            <a:lvl6pPr marL="2514600" indent="-228600" algn="l" defTabSz="914400" rtl="0" eaLnBrk="1" latinLnBrk="0" hangingPunct="1">
+              <a:lnSpc>
+                <a:spcPct val="90000"/>
+              </a:lnSpc>
+              <a:spcBef>
+                <a:spcPts val="500"/>
+              </a:spcBef>
+              <a:buFont typeface="Arial" panose="020B0604020202020204" pitchFamily="34" charset="0"/>
+              <a:buChar char="•"/>
+              <a:defRPr sz="1800" kern="1200">
+                <a:solidFill>
+                  <a:schemeClr val="tx1"/>
+                </a:solidFill>
+                <a:latin typeface="+mn-lt"/>
+                <a:ea typeface="+mn-ea"/>
+                <a:cs typeface="+mn-cs"/>
+              </a:defRPr>
+            </a:lvl6pPr>
+            <a:lvl7pPr marL="2971800" indent="-228600" algn="l" defTabSz="914400" rtl="0" eaLnBrk="1" latinLnBrk="0" hangingPunct="1">
+              <a:lnSpc>
+                <a:spcPct val="90000"/>
+              </a:lnSpc>
+              <a:spcBef>
+                <a:spcPts val="500"/>
+              </a:spcBef>
+              <a:buFont typeface="Arial" panose="020B0604020202020204" pitchFamily="34" charset="0"/>
+              <a:buChar char="•"/>
+              <a:defRPr sz="1800" kern="1200">
+                <a:solidFill>
+                  <a:schemeClr val="tx1"/>
+                </a:solidFill>
+                <a:latin typeface="+mn-lt"/>
+                <a:ea typeface="+mn-ea"/>
+                <a:cs typeface="+mn-cs"/>
+              </a:defRPr>
+            </a:lvl7pPr>
+            <a:lvl8pPr marL="3429000" indent="-228600" algn="l" defTabSz="914400" rtl="0" eaLnBrk="1" latinLnBrk="0" hangingPunct="1">
+              <a:lnSpc>
+                <a:spcPct val="90000"/>
+              </a:lnSpc>
+              <a:spcBef>
+                <a:spcPts val="500"/>
+              </a:spcBef>
+              <a:buFont typeface="Arial" panose="020B0604020202020204" pitchFamily="34" charset="0"/>
+              <a:buChar char="•"/>
+              <a:defRPr sz="1800" kern="1200">
+                <a:solidFill>
+                  <a:schemeClr val="tx1"/>
+                </a:solidFill>
+                <a:latin typeface="+mn-lt"/>
+                <a:ea typeface="+mn-ea"/>
+                <a:cs typeface="+mn-cs"/>
+              </a:defRPr>
+            </a:lvl8pPr>
+            <a:lvl9pPr marL="3886200" indent="-228600" algn="l" defTabSz="914400" rtl="0" eaLnBrk="1" latinLnBrk="0" hangingPunct="1">
+              <a:lnSpc>
+                <a:spcPct val="90000"/>
+              </a:lnSpc>
+              <a:spcBef>
+                <a:spcPts val="500"/>
+              </a:spcBef>
+              <a:buFont typeface="Arial" panose="020B0604020202020204" pitchFamily="34" charset="0"/>
+              <a:buChar char="•"/>
+              <a:defRPr sz="1800" kern="1200">
+                <a:solidFill>
+                  <a:schemeClr val="tx1"/>
+                </a:solidFill>
+                <a:latin typeface="+mn-lt"/>
+                <a:ea typeface="+mn-ea"/>
+                <a:cs typeface="+mn-cs"/>
+              </a:defRPr>
+            </a:lvl9pPr>
+          </a:lstStyle>
+          <a:p>
+            <a:endParaRPr lang="es-ES" sz="3300" dirty="0">
+              <a:latin typeface="+mn-lt"/>
+            </a:endParaRPr>
+          </a:p>
+          <a:p>
+            <a:endParaRPr lang="es-ES" sz="3300" dirty="0">
+              <a:latin typeface="+mn-lt"/>
+            </a:endParaRPr>
+          </a:p>
+          <a:p>
+            <a:endParaRPr lang="es-ES" sz="9600" b="1" dirty="0">
+              <a:latin typeface="+mn-lt"/>
+            </a:endParaRPr>
+          </a:p>
+          <a:p>
+            <a:r>
+              <a:rPr lang="es-ES" sz="9600" b="1" dirty="0">
+                <a:latin typeface="+mn-lt"/>
+              </a:rPr>
+              <a:t>ESTRATEGIA</a:t>
+            </a:r>
+          </a:p>
+          <a:p>
+            <a:endParaRPr lang="es-ES" sz="9600" b="1" dirty="0">
+              <a:latin typeface="+mn-lt"/>
+            </a:endParaRPr>
+          </a:p>
+          <a:p>
+            <a:endParaRPr lang="es-ES" sz="9600" b="1" dirty="0">
+              <a:latin typeface="+mn-lt"/>
+            </a:endParaRPr>
+          </a:p>
+          <a:p>
+            <a:endParaRPr lang="es-ES" sz="9600" b="1" dirty="0">
+              <a:latin typeface="+mn-lt"/>
+            </a:endParaRPr>
+          </a:p>
+          <a:p>
+            <a:r>
+              <a:rPr lang="es-ES" sz="9600" b="1" dirty="0">
+                <a:latin typeface="+mn-lt"/>
+              </a:rPr>
+              <a:t>GESTIÓN DE DATOS</a:t>
+            </a:r>
+          </a:p>
+          <a:p>
+            <a:endParaRPr lang="es-ES" sz="3300" dirty="0">
+              <a:latin typeface="+mn-lt"/>
+            </a:endParaRPr>
+          </a:p>
+          <a:p>
+            <a:pPr marL="457200" indent="-457200">
+              <a:buFont typeface="Arial" panose="020B0604020202020204" pitchFamily="34" charset="0"/>
+              <a:buChar char="•"/>
+            </a:pPr>
+            <a:endParaRPr lang="es-ES" sz="3600" dirty="0">
+              <a:solidFill>
+                <a:srgbClr val="4D4D4D"/>
+              </a:solidFill>
+              <a:latin typeface="Work Sans" panose="00000500000000000000" pitchFamily="50" charset="0"/>
+            </a:endParaRPr>
+          </a:p>
+          <a:p>
+            <a:endParaRPr lang="es-ES" sz="3600" dirty="0">
+              <a:solidFill>
+                <a:srgbClr val="4D4D4D"/>
+              </a:solidFill>
+              <a:latin typeface="Work Sans" panose="00000500000000000000" pitchFamily="50" charset="0"/>
+            </a:endParaRPr>
+          </a:p>
+        </p:txBody>
+      </p:sp>
     </p:spTree>
     <p:extLst>
       <p:ext uri="{BB962C8B-B14F-4D97-AF65-F5344CB8AC3E}">
-        <p14:creationId xmlns:p14="http://schemas.microsoft.com/office/powerpoint/2010/main" val="1401573629"/>
+        <p14:creationId xmlns:p14="http://schemas.microsoft.com/office/powerpoint/2010/main" val="1722822062"/>
+      </p:ext>
+    </p:extLst>
+  </p:cSld>
+  <p:clrMapOvr>
+    <a:masterClrMapping/>
+  </p:clrMapOvr>
+  <p:transition>
+    <p:fade/>
+  </p:transition>
+</p:sld>
+</file>
+
+<file path=ppt/slides/slide39.xml><?xml version="1.0" encoding="utf-8"?>
+<p:sld xmlns:a="http://schemas.openxmlformats.org/drawingml/2006/main" xmlns:r="http://schemas.openxmlformats.org/officeDocument/2006/relationships" xmlns:p="http://schemas.openxmlformats.org/presentationml/2006/main">
+  <p:cSld>
+    <p:spTree>
+      <p:nvGrpSpPr>
+        <p:cNvPr id="1" name="">
+          <a:extLst>
+            <a:ext uri="{FF2B5EF4-FFF2-40B4-BE49-F238E27FC236}">
+              <a16:creationId xmlns:a16="http://schemas.microsoft.com/office/drawing/2014/main" id="{F3CD9F34-6D83-6D35-391B-699FBCE32165}"/>
+            </a:ext>
+          </a:extLst>
+        </p:cNvPr>
+        <p:cNvGrpSpPr/>
+        <p:nvPr/>
+      </p:nvGrpSpPr>
+      <p:grpSpPr>
+        <a:xfrm>
+          <a:off x="0" y="0"/>
+          <a:ext cx="0" cy="0"/>
+          <a:chOff x="0" y="0"/>
+          <a:chExt cx="0" cy="0"/>
+        </a:xfrm>
+      </p:grpSpPr>
+      <p:sp>
+        <p:nvSpPr>
+          <p:cNvPr id="2" name="Título 1">
+            <a:extLst>
+              <a:ext uri="{FF2B5EF4-FFF2-40B4-BE49-F238E27FC236}">
+                <a16:creationId xmlns:a16="http://schemas.microsoft.com/office/drawing/2014/main" id="{9BCF2106-4E54-70EB-47F5-0BF8ACD7A44F}"/>
+              </a:ext>
+            </a:extLst>
+          </p:cNvPr>
+          <p:cNvSpPr>
+            <a:spLocks noGrp="1"/>
+          </p:cNvSpPr>
+          <p:nvPr>
+            <p:ph type="title"/>
+          </p:nvPr>
+        </p:nvSpPr>
+        <p:spPr>
+          <a:xfrm>
+            <a:off x="392965" y="752284"/>
+            <a:ext cx="9121149" cy="590931"/>
+          </a:xfrm>
+        </p:spPr>
+        <p:txBody>
+          <a:bodyPr/>
+          <a:lstStyle/>
+          <a:p>
+            <a:r>
+              <a:rPr lang="es-ES" b="1" dirty="0"/>
+              <a:t>Gestión de Datos</a:t>
+            </a:r>
+            <a:endParaRPr lang="es-CO" b="1" dirty="0"/>
+          </a:p>
+        </p:txBody>
+      </p:sp>
+      <p:sp>
+        <p:nvSpPr>
+          <p:cNvPr id="3" name="Marcador de número de diapositiva 2">
+            <a:extLst>
+              <a:ext uri="{FF2B5EF4-FFF2-40B4-BE49-F238E27FC236}">
+                <a16:creationId xmlns:a16="http://schemas.microsoft.com/office/drawing/2014/main" id="{4D247E18-05BA-5291-A159-B1413CBDF30E}"/>
+              </a:ext>
+            </a:extLst>
+          </p:cNvPr>
+          <p:cNvSpPr>
+            <a:spLocks noGrp="1"/>
+          </p:cNvSpPr>
+          <p:nvPr>
+            <p:ph type="sldNum" sz="quarter" idx="10"/>
+          </p:nvPr>
+        </p:nvSpPr>
+        <p:spPr/>
+        <p:txBody>
+          <a:bodyPr/>
+          <a:lstStyle/>
+          <a:p>
+            <a:fld id="{B560BBA4-C6AF-C845-8405-0D878B5989B4}" type="slidenum">
+              <a:rPr lang="es-CO" smtClean="0"/>
+              <a:pPr/>
+              <a:t>39</a:t>
+            </a:fld>
+            <a:endParaRPr lang="es-CO"/>
+          </a:p>
+        </p:txBody>
+      </p:sp>
+      <p:sp>
+        <p:nvSpPr>
+          <p:cNvPr id="4" name="Marcador de pie de página 3">
+            <a:extLst>
+              <a:ext uri="{FF2B5EF4-FFF2-40B4-BE49-F238E27FC236}">
+                <a16:creationId xmlns:a16="http://schemas.microsoft.com/office/drawing/2014/main" id="{7EC83217-5157-44D5-A7A4-3E40BF28DE13}"/>
+              </a:ext>
+            </a:extLst>
+          </p:cNvPr>
+          <p:cNvSpPr>
+            <a:spLocks noGrp="1"/>
+          </p:cNvSpPr>
+          <p:nvPr>
+            <p:ph type="ftr" sz="quarter" idx="11"/>
+          </p:nvPr>
+        </p:nvSpPr>
+        <p:spPr/>
+        <p:txBody>
+          <a:bodyPr/>
+          <a:lstStyle/>
+          <a:p>
+            <a:r>
+              <a:rPr lang="es-CO"/>
+              <a:t>© TODOS LOS DERECHOS RESERVADOS POR FUNDACIÓN UNIVERSITARIA COMPENSAR</a:t>
+            </a:r>
+          </a:p>
+        </p:txBody>
+      </p:sp>
+      <p:sp>
+        <p:nvSpPr>
+          <p:cNvPr id="6" name="Marcador de contenido 1">
+            <a:extLst>
+              <a:ext uri="{FF2B5EF4-FFF2-40B4-BE49-F238E27FC236}">
+                <a16:creationId xmlns:a16="http://schemas.microsoft.com/office/drawing/2014/main" id="{FA145FBE-2C69-C116-F58C-BD49A260270B}"/>
+              </a:ext>
+            </a:extLst>
+          </p:cNvPr>
+          <p:cNvSpPr txBox="1">
+            <a:spLocks/>
+          </p:cNvSpPr>
+          <p:nvPr/>
+        </p:nvSpPr>
+        <p:spPr>
+          <a:xfrm>
+            <a:off x="994229" y="1850949"/>
+            <a:ext cx="10303813" cy="4326013"/>
+          </a:xfrm>
+          <a:prstGeom prst="rect">
+            <a:avLst/>
+          </a:prstGeom>
+        </p:spPr>
+        <p:txBody>
+          <a:bodyPr>
+            <a:normAutofit/>
+          </a:bodyPr>
+          <a:lstStyle>
+            <a:lvl1pPr marL="0" indent="0" algn="l" defTabSz="914400" rtl="0" eaLnBrk="1" latinLnBrk="0" hangingPunct="1">
+              <a:lnSpc>
+                <a:spcPts val="2080"/>
+              </a:lnSpc>
+              <a:spcBef>
+                <a:spcPts val="1000"/>
+              </a:spcBef>
+              <a:buClr>
+                <a:schemeClr val="tx2"/>
+              </a:buClr>
+              <a:buFont typeface="Arial" panose="020B0604020202020204" pitchFamily="34" charset="0"/>
+              <a:buNone/>
+              <a:defRPr sz="1600" kern="1200">
+                <a:solidFill>
+                  <a:schemeClr val="tx1"/>
+                </a:solidFill>
+                <a:latin typeface="+mj-lt"/>
+                <a:ea typeface="+mn-ea"/>
+                <a:cs typeface="+mn-cs"/>
+              </a:defRPr>
+            </a:lvl1pPr>
+            <a:lvl2pPr marL="685800" indent="-228600" algn="l" defTabSz="914400" rtl="0" eaLnBrk="1" latinLnBrk="0" hangingPunct="1">
+              <a:lnSpc>
+                <a:spcPct val="90000"/>
+              </a:lnSpc>
+              <a:spcBef>
+                <a:spcPts val="500"/>
+              </a:spcBef>
+              <a:buFont typeface="Arial" panose="020B0604020202020204" pitchFamily="34" charset="0"/>
+              <a:buChar char="•"/>
+              <a:defRPr sz="2400" kern="1200">
+                <a:solidFill>
+                  <a:schemeClr val="tx1"/>
+                </a:solidFill>
+                <a:latin typeface="+mn-lt"/>
+                <a:ea typeface="+mn-ea"/>
+                <a:cs typeface="+mn-cs"/>
+              </a:defRPr>
+            </a:lvl2pPr>
+            <a:lvl3pPr marL="1143000" indent="-228600" algn="l" defTabSz="914400" rtl="0" eaLnBrk="1" latinLnBrk="0" hangingPunct="1">
+              <a:lnSpc>
+                <a:spcPct val="90000"/>
+              </a:lnSpc>
+              <a:spcBef>
+                <a:spcPts val="500"/>
+              </a:spcBef>
+              <a:buFont typeface="Arial" panose="020B0604020202020204" pitchFamily="34" charset="0"/>
+              <a:buChar char="•"/>
+              <a:defRPr sz="2000" kern="1200">
+                <a:solidFill>
+                  <a:schemeClr val="tx1"/>
+                </a:solidFill>
+                <a:latin typeface="+mn-lt"/>
+                <a:ea typeface="+mn-ea"/>
+                <a:cs typeface="+mn-cs"/>
+              </a:defRPr>
+            </a:lvl3pPr>
+            <a:lvl4pPr marL="1600200" indent="-228600" algn="l" defTabSz="914400" rtl="0" eaLnBrk="1" latinLnBrk="0" hangingPunct="1">
+              <a:lnSpc>
+                <a:spcPct val="90000"/>
+              </a:lnSpc>
+              <a:spcBef>
+                <a:spcPts val="500"/>
+              </a:spcBef>
+              <a:buFont typeface="Arial" panose="020B0604020202020204" pitchFamily="34" charset="0"/>
+              <a:buChar char="•"/>
+              <a:defRPr sz="1800" kern="1200">
+                <a:solidFill>
+                  <a:schemeClr val="tx1"/>
+                </a:solidFill>
+                <a:latin typeface="+mn-lt"/>
+                <a:ea typeface="+mn-ea"/>
+                <a:cs typeface="+mn-cs"/>
+              </a:defRPr>
+            </a:lvl4pPr>
+            <a:lvl5pPr marL="2057400" indent="-228600" algn="l" defTabSz="914400" rtl="0" eaLnBrk="1" latinLnBrk="0" hangingPunct="1">
+              <a:lnSpc>
+                <a:spcPct val="90000"/>
+              </a:lnSpc>
+              <a:spcBef>
+                <a:spcPts val="500"/>
+              </a:spcBef>
+              <a:buFont typeface="Arial" panose="020B0604020202020204" pitchFamily="34" charset="0"/>
+              <a:buChar char="•"/>
+              <a:defRPr sz="1800" kern="1200">
+                <a:solidFill>
+                  <a:schemeClr val="tx1"/>
+                </a:solidFill>
+                <a:latin typeface="+mn-lt"/>
+                <a:ea typeface="+mn-ea"/>
+                <a:cs typeface="+mn-cs"/>
+              </a:defRPr>
+            </a:lvl5pPr>
+            <a:lvl6pPr marL="2514600" indent="-228600" algn="l" defTabSz="914400" rtl="0" eaLnBrk="1" latinLnBrk="0" hangingPunct="1">
+              <a:lnSpc>
+                <a:spcPct val="90000"/>
+              </a:lnSpc>
+              <a:spcBef>
+                <a:spcPts val="500"/>
+              </a:spcBef>
+              <a:buFont typeface="Arial" panose="020B0604020202020204" pitchFamily="34" charset="0"/>
+              <a:buChar char="•"/>
+              <a:defRPr sz="1800" kern="1200">
+                <a:solidFill>
+                  <a:schemeClr val="tx1"/>
+                </a:solidFill>
+                <a:latin typeface="+mn-lt"/>
+                <a:ea typeface="+mn-ea"/>
+                <a:cs typeface="+mn-cs"/>
+              </a:defRPr>
+            </a:lvl6pPr>
+            <a:lvl7pPr marL="2971800" indent="-228600" algn="l" defTabSz="914400" rtl="0" eaLnBrk="1" latinLnBrk="0" hangingPunct="1">
+              <a:lnSpc>
+                <a:spcPct val="90000"/>
+              </a:lnSpc>
+              <a:spcBef>
+                <a:spcPts val="500"/>
+              </a:spcBef>
+              <a:buFont typeface="Arial" panose="020B0604020202020204" pitchFamily="34" charset="0"/>
+              <a:buChar char="•"/>
+              <a:defRPr sz="1800" kern="1200">
+                <a:solidFill>
+                  <a:schemeClr val="tx1"/>
+                </a:solidFill>
+                <a:latin typeface="+mn-lt"/>
+                <a:ea typeface="+mn-ea"/>
+                <a:cs typeface="+mn-cs"/>
+              </a:defRPr>
+            </a:lvl7pPr>
+            <a:lvl8pPr marL="3429000" indent="-228600" algn="l" defTabSz="914400" rtl="0" eaLnBrk="1" latinLnBrk="0" hangingPunct="1">
+              <a:lnSpc>
+                <a:spcPct val="90000"/>
+              </a:lnSpc>
+              <a:spcBef>
+                <a:spcPts val="500"/>
+              </a:spcBef>
+              <a:buFont typeface="Arial" panose="020B0604020202020204" pitchFamily="34" charset="0"/>
+              <a:buChar char="•"/>
+              <a:defRPr sz="1800" kern="1200">
+                <a:solidFill>
+                  <a:schemeClr val="tx1"/>
+                </a:solidFill>
+                <a:latin typeface="+mn-lt"/>
+                <a:ea typeface="+mn-ea"/>
+                <a:cs typeface="+mn-cs"/>
+              </a:defRPr>
+            </a:lvl8pPr>
+            <a:lvl9pPr marL="3886200" indent="-228600" algn="l" defTabSz="914400" rtl="0" eaLnBrk="1" latinLnBrk="0" hangingPunct="1">
+              <a:lnSpc>
+                <a:spcPct val="90000"/>
+              </a:lnSpc>
+              <a:spcBef>
+                <a:spcPts val="500"/>
+              </a:spcBef>
+              <a:buFont typeface="Arial" panose="020B0604020202020204" pitchFamily="34" charset="0"/>
+              <a:buChar char="•"/>
+              <a:defRPr sz="1800" kern="1200">
+                <a:solidFill>
+                  <a:schemeClr val="tx1"/>
+                </a:solidFill>
+                <a:latin typeface="+mn-lt"/>
+                <a:ea typeface="+mn-ea"/>
+                <a:cs typeface="+mn-cs"/>
+              </a:defRPr>
+            </a:lvl9pPr>
+          </a:lstStyle>
+          <a:p>
+            <a:r>
+              <a:rPr lang="es-ES" sz="3300" dirty="0">
+                <a:latin typeface="+mn-lt"/>
+              </a:rPr>
+              <a:t>BI: (Business </a:t>
+            </a:r>
+            <a:r>
+              <a:rPr lang="es-ES" sz="3300" dirty="0" err="1">
+                <a:latin typeface="+mn-lt"/>
+              </a:rPr>
+              <a:t>Intelligence</a:t>
+            </a:r>
+            <a:r>
+              <a:rPr lang="es-ES" sz="3300" dirty="0">
+                <a:latin typeface="+mn-lt"/>
+              </a:rPr>
+              <a:t>) permite una gestión efectiva de datos, análisis e informes.</a:t>
+            </a:r>
+          </a:p>
+          <a:p>
+            <a:endParaRPr lang="es-ES" sz="3300" dirty="0">
+              <a:latin typeface="+mn-lt"/>
+            </a:endParaRPr>
+          </a:p>
+          <a:p>
+            <a:r>
+              <a:rPr lang="es-ES" sz="3300" dirty="0">
+                <a:latin typeface="+mn-lt"/>
+              </a:rPr>
+              <a:t>BIG DATA: ayuda a manejar grandes conjuntos de datos y proporcionan información en tiempo real.</a:t>
+            </a:r>
+          </a:p>
+          <a:p>
+            <a:endParaRPr lang="es-ES" sz="3300" dirty="0">
+              <a:latin typeface="+mn-lt"/>
+            </a:endParaRPr>
+          </a:p>
+          <a:p>
+            <a:r>
+              <a:rPr lang="es-ES" sz="3300" dirty="0">
+                <a:latin typeface="+mn-lt"/>
+              </a:rPr>
+              <a:t>Gobierno de Datos: procesos, políticas y roles para garantizar que los datos sean confiables, consistentes y cumplan con los requisitos reglamentarios.</a:t>
+            </a:r>
+          </a:p>
+          <a:p>
+            <a:endParaRPr lang="es-ES" sz="3300" dirty="0">
+              <a:latin typeface="+mn-lt"/>
+            </a:endParaRPr>
+          </a:p>
+          <a:p>
+            <a:r>
+              <a:rPr lang="es-ES" sz="3300" dirty="0">
+                <a:latin typeface="+mn-lt"/>
+              </a:rPr>
+              <a:t>En un marco de Transformación Digital (DX)</a:t>
+            </a:r>
+          </a:p>
+          <a:p>
+            <a:endParaRPr lang="es-ES" sz="3300" dirty="0">
+              <a:latin typeface="+mn-lt"/>
+            </a:endParaRPr>
+          </a:p>
+          <a:p>
+            <a:endParaRPr lang="es-ES" sz="3300" dirty="0">
+              <a:latin typeface="+mn-lt"/>
+            </a:endParaRPr>
+          </a:p>
+          <a:p>
+            <a:pPr marL="457200" indent="-457200">
+              <a:buFont typeface="Arial" panose="020B0604020202020204" pitchFamily="34" charset="0"/>
+              <a:buChar char="•"/>
+            </a:pPr>
+            <a:endParaRPr lang="es-ES" sz="3600" dirty="0">
+              <a:solidFill>
+                <a:srgbClr val="4D4D4D"/>
+              </a:solidFill>
+              <a:latin typeface="Work Sans" panose="00000500000000000000" pitchFamily="50" charset="0"/>
+            </a:endParaRPr>
+          </a:p>
+          <a:p>
+            <a:endParaRPr lang="es-ES" sz="3600" dirty="0">
+              <a:solidFill>
+                <a:srgbClr val="4D4D4D"/>
+              </a:solidFill>
+              <a:latin typeface="Work Sans" panose="00000500000000000000" pitchFamily="50" charset="0"/>
+            </a:endParaRPr>
+          </a:p>
+        </p:txBody>
+      </p:sp>
+    </p:spTree>
+    <p:extLst>
+      <p:ext uri="{BB962C8B-B14F-4D97-AF65-F5344CB8AC3E}">
+        <p14:creationId xmlns:p14="http://schemas.microsoft.com/office/powerpoint/2010/main" val="518626295"/>
       </p:ext>
     </p:extLst>
   </p:cSld>
@@ -15442,6 +19197,69 @@
     <p:extLst>
       <p:ext uri="{BB962C8B-B14F-4D97-AF65-F5344CB8AC3E}">
         <p14:creationId xmlns:p14="http://schemas.microsoft.com/office/powerpoint/2010/main" val="3158006035"/>
+      </p:ext>
+    </p:extLst>
+  </p:cSld>
+  <p:clrMapOvr>
+    <a:masterClrMapping/>
+  </p:clrMapOvr>
+  <p:transition>
+    <p:fade/>
+  </p:transition>
+</p:sld>
+</file>
+
+<file path=ppt/slides/slide40.xml><?xml version="1.0" encoding="utf-8"?>
+<p:sld xmlns:a="http://schemas.openxmlformats.org/drawingml/2006/main" xmlns:r="http://schemas.openxmlformats.org/officeDocument/2006/relationships" xmlns:p="http://schemas.openxmlformats.org/presentationml/2006/main">
+  <p:cSld>
+    <p:spTree>
+      <p:nvGrpSpPr>
+        <p:cNvPr id="1" name=""/>
+        <p:cNvGrpSpPr/>
+        <p:nvPr/>
+      </p:nvGrpSpPr>
+      <p:grpSpPr>
+        <a:xfrm>
+          <a:off x="0" y="0"/>
+          <a:ext cx="0" cy="0"/>
+          <a:chOff x="0" y="0"/>
+          <a:chExt cx="0" cy="0"/>
+        </a:xfrm>
+      </p:grpSpPr>
+      <p:pic>
+        <p:nvPicPr>
+          <p:cNvPr id="3" name="Imagen 2">
+            <a:extLst>
+              <a:ext uri="{FF2B5EF4-FFF2-40B4-BE49-F238E27FC236}">
+                <a16:creationId xmlns:a16="http://schemas.microsoft.com/office/drawing/2014/main" id="{B9252907-B045-4147-BA12-7C2593271AC7}"/>
+              </a:ext>
+            </a:extLst>
+          </p:cNvPr>
+          <p:cNvPicPr>
+            <a:picLocks noChangeAspect="1"/>
+          </p:cNvPicPr>
+          <p:nvPr/>
+        </p:nvPicPr>
+        <p:blipFill>
+          <a:blip r:embed="rId2"/>
+          <a:stretch>
+            <a:fillRect/>
+          </a:stretch>
+        </p:blipFill>
+        <p:spPr>
+          <a:xfrm>
+            <a:off x="4465759" y="1401054"/>
+            <a:ext cx="6985147" cy="4055892"/>
+          </a:xfrm>
+          <a:prstGeom prst="rect">
+            <a:avLst/>
+          </a:prstGeom>
+        </p:spPr>
+      </p:pic>
+    </p:spTree>
+    <p:extLst>
+      <p:ext uri="{BB962C8B-B14F-4D97-AF65-F5344CB8AC3E}">
+        <p14:creationId xmlns:p14="http://schemas.microsoft.com/office/powerpoint/2010/main" val="1401573629"/>
       </p:ext>
     </p:extLst>
   </p:cSld>
@@ -18807,6 +22625,21 @@
 </file>
 
 <file path=customXml/item1.xml><?xml version="1.0" encoding="utf-8"?>
+<p:properties xmlns:p="http://schemas.microsoft.com/office/2006/metadata/properties" xmlns:xsi="http://www.w3.org/2001/XMLSchema-instance" xmlns:pc="http://schemas.microsoft.com/office/infopath/2007/PartnerControls">
+  <documentManagement/>
+</p:properties>
+</file>
+
+<file path=customXml/item2.xml><?xml version="1.0" encoding="utf-8"?>
+<?mso-contentType ?>
+<FormTemplates xmlns="http://schemas.microsoft.com/sharepoint/v3/contenttype/forms">
+  <Display>DocumentLibraryForm</Display>
+  <Edit>DocumentLibraryForm</Edit>
+  <New>DocumentLibraryForm</New>
+</FormTemplates>
+</file>
+
+<file path=customXml/item3.xml><?xml version="1.0" encoding="utf-8"?>
 <ct:contentTypeSchema xmlns:ct="http://schemas.microsoft.com/office/2006/metadata/contentType" xmlns:ma="http://schemas.microsoft.com/office/2006/metadata/properties/metaAttributes" ct:_="" ma:_="" ma:contentTypeName="Documento" ma:contentTypeID="0x010100AE11E3B23DDC514DB7F73542BD70D7C2" ma:contentTypeVersion="10" ma:contentTypeDescription="Crear nuevo documento." ma:contentTypeScope="" ma:versionID="12c24c8bff77da01694d6a6645201120">
   <xsd:schema xmlns:xsd="http://www.w3.org/2001/XMLSchema" xmlns:xs="http://www.w3.org/2001/XMLSchema" xmlns:p="http://schemas.microsoft.com/office/2006/metadata/properties" xmlns:ns3="b7474ee4-0666-4c88-b232-79c3aff4727a" xmlns:ns4="23635fae-8dd0-4974-b060-aa53042da987" targetNamespace="http://schemas.microsoft.com/office/2006/metadata/properties" ma:root="true" ma:fieldsID="5a382e7c3c0e102ab47483544b9768f0" ns3:_="" ns4:_="">
     <xsd:import namespace="b7474ee4-0666-4c88-b232-79c3aff4727a"/>
@@ -19009,22 +22842,32 @@
 </ct:contentTypeSchema>
 </file>
 
-<file path=customXml/item2.xml><?xml version="1.0" encoding="utf-8"?>
-<?mso-contentType ?>
-<FormTemplates xmlns="http://schemas.microsoft.com/sharepoint/v3/contenttype/forms">
-  <Display>DocumentLibraryForm</Display>
-  <Edit>DocumentLibraryForm</Edit>
-  <New>DocumentLibraryForm</New>
-</FormTemplates>
+<file path=customXml/itemProps1.xml><?xml version="1.0" encoding="utf-8"?>
+<ds:datastoreItem xmlns:ds="http://schemas.openxmlformats.org/officeDocument/2006/customXml" ds:itemID="{02B6FF56-13BC-48D8-9F6F-EEE6DF85C044}">
+  <ds:schemaRefs>
+    <ds:schemaRef ds:uri="http://www.w3.org/XML/1998/namespace"/>
+    <ds:schemaRef ds:uri="23635fae-8dd0-4974-b060-aa53042da987"/>
+    <ds:schemaRef ds:uri="http://purl.org/dc/dcmitype/"/>
+    <ds:schemaRef ds:uri="http://purl.org/dc/terms/"/>
+    <ds:schemaRef ds:uri="b7474ee4-0666-4c88-b232-79c3aff4727a"/>
+    <ds:schemaRef ds:uri="http://schemas.microsoft.com/office/infopath/2007/PartnerControls"/>
+    <ds:schemaRef ds:uri="http://schemas.microsoft.com/office/2006/metadata/properties"/>
+    <ds:schemaRef ds:uri="http://schemas.microsoft.com/office/2006/documentManagement/types"/>
+    <ds:schemaRef ds:uri="http://purl.org/dc/elements/1.1/"/>
+    <ds:schemaRef ds:uri="http://schemas.openxmlformats.org/package/2006/metadata/core-properties"/>
+  </ds:schemaRefs>
+</ds:datastoreItem>
 </file>
 
-<file path=customXml/item3.xml><?xml version="1.0" encoding="utf-8"?>
-<p:properties xmlns:p="http://schemas.microsoft.com/office/2006/metadata/properties" xmlns:xsi="http://www.w3.org/2001/XMLSchema-instance" xmlns:pc="http://schemas.microsoft.com/office/infopath/2007/PartnerControls">
-  <documentManagement/>
-</p:properties>
+<file path=customXml/itemProps2.xml><?xml version="1.0" encoding="utf-8"?>
+<ds:datastoreItem xmlns:ds="http://schemas.openxmlformats.org/officeDocument/2006/customXml" ds:itemID="{9FE1DF0E-8F8A-40AB-8B31-0157B4C9CFA9}">
+  <ds:schemaRefs>
+    <ds:schemaRef ds:uri="http://schemas.microsoft.com/sharepoint/v3/contenttype/forms"/>
+  </ds:schemaRefs>
+</ds:datastoreItem>
 </file>
 
-<file path=customXml/itemProps1.xml><?xml version="1.0" encoding="utf-8"?>
+<file path=customXml/itemProps3.xml><?xml version="1.0" encoding="utf-8"?>
 <ds:datastoreItem xmlns:ds="http://schemas.openxmlformats.org/officeDocument/2006/customXml" ds:itemID="{6310BEB3-E951-4EB8-9869-153CB52F6741}">
   <ds:schemaRefs>
     <ds:schemaRef ds:uri="23635fae-8dd0-4974-b060-aa53042da987"/>
@@ -19043,31 +22886,6 @@
 </ds:datastoreItem>
 </file>
 
-<file path=customXml/itemProps2.xml><?xml version="1.0" encoding="utf-8"?>
-<ds:datastoreItem xmlns:ds="http://schemas.openxmlformats.org/officeDocument/2006/customXml" ds:itemID="{9FE1DF0E-8F8A-40AB-8B31-0157B4C9CFA9}">
-  <ds:schemaRefs>
-    <ds:schemaRef ds:uri="http://schemas.microsoft.com/sharepoint/v3/contenttype/forms"/>
-  </ds:schemaRefs>
-</ds:datastoreItem>
-</file>
-
-<file path=customXml/itemProps3.xml><?xml version="1.0" encoding="utf-8"?>
-<ds:datastoreItem xmlns:ds="http://schemas.openxmlformats.org/officeDocument/2006/customXml" ds:itemID="{02B6FF56-13BC-48D8-9F6F-EEE6DF85C044}">
-  <ds:schemaRefs>
-    <ds:schemaRef ds:uri="http://www.w3.org/XML/1998/namespace"/>
-    <ds:schemaRef ds:uri="23635fae-8dd0-4974-b060-aa53042da987"/>
-    <ds:schemaRef ds:uri="http://purl.org/dc/dcmitype/"/>
-    <ds:schemaRef ds:uri="http://purl.org/dc/terms/"/>
-    <ds:schemaRef ds:uri="b7474ee4-0666-4c88-b232-79c3aff4727a"/>
-    <ds:schemaRef ds:uri="http://schemas.microsoft.com/office/infopath/2007/PartnerControls"/>
-    <ds:schemaRef ds:uri="http://schemas.microsoft.com/office/2006/metadata/properties"/>
-    <ds:schemaRef ds:uri="http://schemas.microsoft.com/office/2006/documentManagement/types"/>
-    <ds:schemaRef ds:uri="http://purl.org/dc/elements/1.1/"/>
-    <ds:schemaRef ds:uri="http://schemas.openxmlformats.org/package/2006/metadata/core-properties"/>
-  </ds:schemaRefs>
-</ds:datastoreItem>
-</file>
-
 <file path=docMetadata/LabelInfo.xml><?xml version="1.0" encoding="utf-8"?>
 <clbl:labelList xmlns:clbl="http://schemas.microsoft.com/office/2020/mipLabelMetadata">
   <clbl:label id="{e65bd4d2-aa7c-445f-9ef8-222ebb1d2b43}" enabled="1" method="Privileged" siteId="{9744600e-3e04-492e-baa1-25ec245c6f10}" contentBits="2" removed="0"/>
